--- a/Modules/09-Chef_Intermediate.pptx
+++ b/Modules/09-Chef_Intermediate.pptx
@@ -4,6 +4,9 @@
   <p:sldMasterIdLst>
     <p:sldMasterId id="2147483648" r:id="rId1"/>
   </p:sldMasterIdLst>
+  <p:notesMasterIdLst>
+    <p:notesMasterId r:id="rId11"/>
+  </p:notesMasterIdLst>
   <p:sldIdLst>
     <p:sldId id="538" r:id="rId2"/>
     <p:sldId id="539" r:id="rId3"/>
@@ -131,6 +134,440 @@
 </p:presentation>
 </file>
 
+<file path=ppt/notesMasters/notesMaster1.xml><?xml version="1.0" encoding="utf-8"?>
+<p:notesMaster xmlns:a="http://schemas.openxmlformats.org/drawingml/2006/main" xmlns:r="http://schemas.openxmlformats.org/officeDocument/2006/relationships" xmlns:p="http://schemas.openxmlformats.org/presentationml/2006/main">
+  <p:cSld>
+    <p:bg>
+      <p:bgRef idx="1001">
+        <a:schemeClr val="bg1"/>
+      </p:bgRef>
+    </p:bg>
+    <p:spTree>
+      <p:nvGrpSpPr>
+        <p:cNvPr id="1" name=""/>
+        <p:cNvGrpSpPr/>
+        <p:nvPr/>
+      </p:nvGrpSpPr>
+      <p:grpSpPr>
+        <a:xfrm>
+          <a:off x="0" y="0"/>
+          <a:ext cx="0" cy="0"/>
+          <a:chOff x="0" y="0"/>
+          <a:chExt cx="0" cy="0"/>
+        </a:xfrm>
+      </p:grpSpPr>
+      <p:sp>
+        <p:nvSpPr>
+          <p:cNvPr id="2" name="Header Placeholder 1"/>
+          <p:cNvSpPr>
+            <a:spLocks noGrp="1"/>
+          </p:cNvSpPr>
+          <p:nvPr>
+            <p:ph type="hdr" sz="quarter"/>
+          </p:nvPr>
+        </p:nvSpPr>
+        <p:spPr>
+          <a:xfrm>
+            <a:off x="0" y="0"/>
+            <a:ext cx="7043738" cy="458788"/>
+          </a:xfrm>
+          <a:prstGeom prst="rect">
+            <a:avLst/>
+          </a:prstGeom>
+        </p:spPr>
+        <p:txBody>
+          <a:bodyPr vert="horz" lIns="91440" tIns="45720" rIns="91440" bIns="45720" rtlCol="0"/>
+          <a:lstStyle>
+            <a:lvl1pPr algn="l">
+              <a:defRPr sz="1200"/>
+            </a:lvl1pPr>
+          </a:lstStyle>
+          <a:p>
+            <a:endParaRPr lang="en-US"/>
+          </a:p>
+        </p:txBody>
+      </p:sp>
+      <p:sp>
+        <p:nvSpPr>
+          <p:cNvPr id="3" name="Date Placeholder 2"/>
+          <p:cNvSpPr>
+            <a:spLocks noGrp="1"/>
+          </p:cNvSpPr>
+          <p:nvPr>
+            <p:ph type="dt" idx="1"/>
+          </p:nvPr>
+        </p:nvSpPr>
+        <p:spPr>
+          <a:xfrm>
+            <a:off x="9207500" y="0"/>
+            <a:ext cx="7045325" cy="458788"/>
+          </a:xfrm>
+          <a:prstGeom prst="rect">
+            <a:avLst/>
+          </a:prstGeom>
+        </p:spPr>
+        <p:txBody>
+          <a:bodyPr vert="horz" lIns="91440" tIns="45720" rIns="91440" bIns="45720" rtlCol="0"/>
+          <a:lstStyle>
+            <a:lvl1pPr algn="r">
+              <a:defRPr sz="1200"/>
+            </a:lvl1pPr>
+          </a:lstStyle>
+          <a:p>
+            <a:fld id="{D269065F-C4EF-4A64-8A89-E6292D2A811F}" type="datetimeFigureOut">
+              <a:rPr lang="en-US" smtClean="0"/>
+              <a:t>7/6/2015</a:t>
+            </a:fld>
+            <a:endParaRPr lang="en-US"/>
+          </a:p>
+        </p:txBody>
+      </p:sp>
+      <p:sp>
+        <p:nvSpPr>
+          <p:cNvPr id="4" name="Slide Image Placeholder 3"/>
+          <p:cNvSpPr>
+            <a:spLocks noGrp="1" noRot="1" noChangeAspect="1"/>
+          </p:cNvSpPr>
+          <p:nvPr>
+            <p:ph type="sldImg" idx="2"/>
+          </p:nvPr>
+        </p:nvSpPr>
+        <p:spPr>
+          <a:xfrm>
+            <a:off x="5384800" y="1143000"/>
+            <a:ext cx="5486400" cy="3086100"/>
+          </a:xfrm>
+          <a:prstGeom prst="rect">
+            <a:avLst/>
+          </a:prstGeom>
+          <a:noFill/>
+          <a:ln w="12700">
+            <a:solidFill>
+              <a:prstClr val="black"/>
+            </a:solidFill>
+          </a:ln>
+        </p:spPr>
+        <p:txBody>
+          <a:bodyPr vert="horz" lIns="91440" tIns="45720" rIns="91440" bIns="45720" rtlCol="0" anchor="ctr"/>
+          <a:lstStyle/>
+          <a:p>
+            <a:endParaRPr lang="en-US"/>
+          </a:p>
+        </p:txBody>
+      </p:sp>
+      <p:sp>
+        <p:nvSpPr>
+          <p:cNvPr id="5" name="Notes Placeholder 4"/>
+          <p:cNvSpPr>
+            <a:spLocks noGrp="1"/>
+          </p:cNvSpPr>
+          <p:nvPr>
+            <p:ph type="body" sz="quarter" idx="3"/>
+          </p:nvPr>
+        </p:nvSpPr>
+        <p:spPr>
+          <a:xfrm>
+            <a:off x="1625600" y="4400550"/>
+            <a:ext cx="13004800" cy="3600450"/>
+          </a:xfrm>
+          <a:prstGeom prst="rect">
+            <a:avLst/>
+          </a:prstGeom>
+        </p:spPr>
+        <p:txBody>
+          <a:bodyPr vert="horz" lIns="91440" tIns="45720" rIns="91440" bIns="45720" rtlCol="0"/>
+          <a:lstStyle/>
+          <a:p>
+            <a:pPr lvl="0"/>
+            <a:r>
+              <a:rPr lang="en-US" smtClean="0"/>
+              <a:t>Click to edit Master text styles</a:t>
+            </a:r>
+          </a:p>
+          <a:p>
+            <a:pPr lvl="1"/>
+            <a:r>
+              <a:rPr lang="en-US" smtClean="0"/>
+              <a:t>Second level</a:t>
+            </a:r>
+          </a:p>
+          <a:p>
+            <a:pPr lvl="2"/>
+            <a:r>
+              <a:rPr lang="en-US" smtClean="0"/>
+              <a:t>Third level</a:t>
+            </a:r>
+          </a:p>
+          <a:p>
+            <a:pPr lvl="3"/>
+            <a:r>
+              <a:rPr lang="en-US" smtClean="0"/>
+              <a:t>Fourth level</a:t>
+            </a:r>
+          </a:p>
+          <a:p>
+            <a:pPr lvl="4"/>
+            <a:r>
+              <a:rPr lang="en-US" smtClean="0"/>
+              <a:t>Fifth level</a:t>
+            </a:r>
+            <a:endParaRPr lang="en-US"/>
+          </a:p>
+        </p:txBody>
+      </p:sp>
+      <p:sp>
+        <p:nvSpPr>
+          <p:cNvPr id="6" name="Footer Placeholder 5"/>
+          <p:cNvSpPr>
+            <a:spLocks noGrp="1"/>
+          </p:cNvSpPr>
+          <p:nvPr>
+            <p:ph type="ftr" sz="quarter" idx="4"/>
+          </p:nvPr>
+        </p:nvSpPr>
+        <p:spPr>
+          <a:xfrm>
+            <a:off x="0" y="8685213"/>
+            <a:ext cx="7043738" cy="458787"/>
+          </a:xfrm>
+          <a:prstGeom prst="rect">
+            <a:avLst/>
+          </a:prstGeom>
+        </p:spPr>
+        <p:txBody>
+          <a:bodyPr vert="horz" lIns="91440" tIns="45720" rIns="91440" bIns="45720" rtlCol="0" anchor="b"/>
+          <a:lstStyle>
+            <a:lvl1pPr algn="l">
+              <a:defRPr sz="1200"/>
+            </a:lvl1pPr>
+          </a:lstStyle>
+          <a:p>
+            <a:endParaRPr lang="en-US"/>
+          </a:p>
+        </p:txBody>
+      </p:sp>
+      <p:sp>
+        <p:nvSpPr>
+          <p:cNvPr id="7" name="Slide Number Placeholder 6"/>
+          <p:cNvSpPr>
+            <a:spLocks noGrp="1"/>
+          </p:cNvSpPr>
+          <p:nvPr>
+            <p:ph type="sldNum" sz="quarter" idx="5"/>
+          </p:nvPr>
+        </p:nvSpPr>
+        <p:spPr>
+          <a:xfrm>
+            <a:off x="9207500" y="8685213"/>
+            <a:ext cx="7045325" cy="458787"/>
+          </a:xfrm>
+          <a:prstGeom prst="rect">
+            <a:avLst/>
+          </a:prstGeom>
+        </p:spPr>
+        <p:txBody>
+          <a:bodyPr vert="horz" lIns="91440" tIns="45720" rIns="91440" bIns="45720" rtlCol="0" anchor="b"/>
+          <a:lstStyle>
+            <a:lvl1pPr algn="r">
+              <a:defRPr sz="1200"/>
+            </a:lvl1pPr>
+          </a:lstStyle>
+          <a:p>
+            <a:fld id="{694D3812-5055-4335-89FB-AD2BCBFB4E1A}" type="slidenum">
+              <a:rPr lang="en-US" smtClean="0"/>
+              <a:t>‹#›</a:t>
+            </a:fld>
+            <a:endParaRPr lang="en-US"/>
+          </a:p>
+        </p:txBody>
+      </p:sp>
+    </p:spTree>
+    <p:extLst>
+      <p:ext uri="{BB962C8B-B14F-4D97-AF65-F5344CB8AC3E}">
+        <p14:creationId xmlns:p14="http://schemas.microsoft.com/office/powerpoint/2010/main" val="651305667"/>
+      </p:ext>
+    </p:extLst>
+  </p:cSld>
+  <p:clrMap bg1="lt1" tx1="dk1" bg2="lt2" tx2="dk2" accent1="accent1" accent2="accent2" accent3="accent3" accent4="accent4" accent5="accent5" accent6="accent6" hlink="hlink" folHlink="folHlink"/>
+  <p:notesStyle>
+    <a:lvl1pPr marL="0" algn="l" defTabSz="914400" rtl="0" eaLnBrk="1" latinLnBrk="0" hangingPunct="1">
+      <a:defRPr sz="1200" kern="1200">
+        <a:solidFill>
+          <a:schemeClr val="tx1"/>
+        </a:solidFill>
+        <a:latin typeface="+mn-lt"/>
+        <a:ea typeface="+mn-ea"/>
+        <a:cs typeface="+mn-cs"/>
+      </a:defRPr>
+    </a:lvl1pPr>
+    <a:lvl2pPr marL="457200" algn="l" defTabSz="914400" rtl="0" eaLnBrk="1" latinLnBrk="0" hangingPunct="1">
+      <a:defRPr sz="1200" kern="1200">
+        <a:solidFill>
+          <a:schemeClr val="tx1"/>
+        </a:solidFill>
+        <a:latin typeface="+mn-lt"/>
+        <a:ea typeface="+mn-ea"/>
+        <a:cs typeface="+mn-cs"/>
+      </a:defRPr>
+    </a:lvl2pPr>
+    <a:lvl3pPr marL="914400" algn="l" defTabSz="914400" rtl="0" eaLnBrk="1" latinLnBrk="0" hangingPunct="1">
+      <a:defRPr sz="1200" kern="1200">
+        <a:solidFill>
+          <a:schemeClr val="tx1"/>
+        </a:solidFill>
+        <a:latin typeface="+mn-lt"/>
+        <a:ea typeface="+mn-ea"/>
+        <a:cs typeface="+mn-cs"/>
+      </a:defRPr>
+    </a:lvl3pPr>
+    <a:lvl4pPr marL="1371600" algn="l" defTabSz="914400" rtl="0" eaLnBrk="1" latinLnBrk="0" hangingPunct="1">
+      <a:defRPr sz="1200" kern="1200">
+        <a:solidFill>
+          <a:schemeClr val="tx1"/>
+        </a:solidFill>
+        <a:latin typeface="+mn-lt"/>
+        <a:ea typeface="+mn-ea"/>
+        <a:cs typeface="+mn-cs"/>
+      </a:defRPr>
+    </a:lvl4pPr>
+    <a:lvl5pPr marL="1828800" algn="l" defTabSz="914400" rtl="0" eaLnBrk="1" latinLnBrk="0" hangingPunct="1">
+      <a:defRPr sz="1200" kern="1200">
+        <a:solidFill>
+          <a:schemeClr val="tx1"/>
+        </a:solidFill>
+        <a:latin typeface="+mn-lt"/>
+        <a:ea typeface="+mn-ea"/>
+        <a:cs typeface="+mn-cs"/>
+      </a:defRPr>
+    </a:lvl5pPr>
+    <a:lvl6pPr marL="2286000" algn="l" defTabSz="914400" rtl="0" eaLnBrk="1" latinLnBrk="0" hangingPunct="1">
+      <a:defRPr sz="1200" kern="1200">
+        <a:solidFill>
+          <a:schemeClr val="tx1"/>
+        </a:solidFill>
+        <a:latin typeface="+mn-lt"/>
+        <a:ea typeface="+mn-ea"/>
+        <a:cs typeface="+mn-cs"/>
+      </a:defRPr>
+    </a:lvl6pPr>
+    <a:lvl7pPr marL="2743200" algn="l" defTabSz="914400" rtl="0" eaLnBrk="1" latinLnBrk="0" hangingPunct="1">
+      <a:defRPr sz="1200" kern="1200">
+        <a:solidFill>
+          <a:schemeClr val="tx1"/>
+        </a:solidFill>
+        <a:latin typeface="+mn-lt"/>
+        <a:ea typeface="+mn-ea"/>
+        <a:cs typeface="+mn-cs"/>
+      </a:defRPr>
+    </a:lvl7pPr>
+    <a:lvl8pPr marL="3200400" algn="l" defTabSz="914400" rtl="0" eaLnBrk="1" latinLnBrk="0" hangingPunct="1">
+      <a:defRPr sz="1200" kern="1200">
+        <a:solidFill>
+          <a:schemeClr val="tx1"/>
+        </a:solidFill>
+        <a:latin typeface="+mn-lt"/>
+        <a:ea typeface="+mn-ea"/>
+        <a:cs typeface="+mn-cs"/>
+      </a:defRPr>
+    </a:lvl8pPr>
+    <a:lvl9pPr marL="3657600" algn="l" defTabSz="914400" rtl="0" eaLnBrk="1" latinLnBrk="0" hangingPunct="1">
+      <a:defRPr sz="1200" kern="1200">
+        <a:solidFill>
+          <a:schemeClr val="tx1"/>
+        </a:solidFill>
+        <a:latin typeface="+mn-lt"/>
+        <a:ea typeface="+mn-ea"/>
+        <a:cs typeface="+mn-cs"/>
+      </a:defRPr>
+    </a:lvl9pPr>
+  </p:notesStyle>
+</p:notesMaster>
+</file>
+
+<file path=ppt/notesSlides/notesSlide1.xml><?xml version="1.0" encoding="utf-8"?>
+<p:notes xmlns:a="http://schemas.openxmlformats.org/drawingml/2006/main" xmlns:r="http://schemas.openxmlformats.org/officeDocument/2006/relationships" xmlns:p="http://schemas.openxmlformats.org/presentationml/2006/main">
+  <p:cSld>
+    <p:spTree>
+      <p:nvGrpSpPr>
+        <p:cNvPr id="1" name=""/>
+        <p:cNvGrpSpPr/>
+        <p:nvPr/>
+      </p:nvGrpSpPr>
+      <p:grpSpPr>
+        <a:xfrm>
+          <a:off x="0" y="0"/>
+          <a:ext cx="0" cy="0"/>
+          <a:chOff x="0" y="0"/>
+          <a:chExt cx="0" cy="0"/>
+        </a:xfrm>
+      </p:grpSpPr>
+      <p:sp>
+        <p:nvSpPr>
+          <p:cNvPr id="2" name="Slide Image Placeholder 1"/>
+          <p:cNvSpPr>
+            <a:spLocks noGrp="1" noRot="1" noChangeAspect="1"/>
+          </p:cNvSpPr>
+          <p:nvPr>
+            <p:ph type="sldImg"/>
+          </p:nvPr>
+        </p:nvSpPr>
+        <p:spPr/>
+      </p:sp>
+      <p:sp>
+        <p:nvSpPr>
+          <p:cNvPr id="3" name="Notes Placeholder 2"/>
+          <p:cNvSpPr>
+            <a:spLocks noGrp="1"/>
+          </p:cNvSpPr>
+          <p:nvPr>
+            <p:ph type="body" idx="1"/>
+          </p:nvPr>
+        </p:nvSpPr>
+        <p:spPr/>
+        <p:txBody>
+          <a:bodyPr/>
+          <a:lstStyle/>
+          <a:p>
+            <a:endParaRPr lang="en-US" dirty="0"/>
+          </a:p>
+        </p:txBody>
+      </p:sp>
+      <p:sp>
+        <p:nvSpPr>
+          <p:cNvPr id="4" name="Slide Number Placeholder 3"/>
+          <p:cNvSpPr>
+            <a:spLocks noGrp="1"/>
+          </p:cNvSpPr>
+          <p:nvPr>
+            <p:ph type="sldNum" sz="quarter" idx="10"/>
+          </p:nvPr>
+        </p:nvSpPr>
+        <p:spPr/>
+        <p:txBody>
+          <a:bodyPr/>
+          <a:lstStyle/>
+          <a:p>
+            <a:fld id="{694D3812-5055-4335-89FB-AD2BCBFB4E1A}" type="slidenum">
+              <a:rPr lang="en-US" smtClean="0"/>
+              <a:t>1</a:t>
+            </a:fld>
+            <a:endParaRPr lang="en-US"/>
+          </a:p>
+        </p:txBody>
+      </p:sp>
+    </p:spTree>
+    <p:extLst>
+      <p:ext uri="{BB962C8B-B14F-4D97-AF65-F5344CB8AC3E}">
+        <p14:creationId xmlns:p14="http://schemas.microsoft.com/office/powerpoint/2010/main" val="540696170"/>
+      </p:ext>
+    </p:extLst>
+  </p:cSld>
+  <p:clrMapOvr>
+    <a:masterClrMapping/>
+  </p:clrMapOvr>
+</p:notes>
+</file>
+
 <file path=ppt/slideLayouts/slideLayout1.xml><?xml version="1.0" encoding="utf-8"?>
 <p:sldLayout xmlns:a="http://schemas.openxmlformats.org/drawingml/2006/main" xmlns:r="http://schemas.openxmlformats.org/officeDocument/2006/relationships" xmlns:p="http://schemas.openxmlformats.org/presentationml/2006/main" type="obj" preserve="1">
   <p:cSld name="Title Slide">
@@ -270,7 +707,7 @@
           <a:p>
             <a:fld id="{1D8BD707-D9CF-40AE-B4C6-C98DA3205C09}" type="datetimeFigureOut">
               <a:rPr lang="en-US"/>
-              <a:t>6/5/2015</a:t>
+              <a:t>7/6/2015</a:t>
             </a:fld>
             <a:endParaRPr lang="en-US"/>
           </a:p>
@@ -453,7 +890,7 @@
           <a:p>
             <a:fld id="{1D8BD707-D9CF-40AE-B4C6-C98DA3205C09}" type="datetimeFigureOut">
               <a:rPr lang="en-US"/>
-              <a:t>6/5/2015</a:t>
+              <a:t>7/6/2015</a:t>
             </a:fld>
             <a:endParaRPr lang="en-US"/>
           </a:p>
@@ -469,12 +906,17 @@
             <p:ph type="sldNum" sz="quarter" idx="7"/>
           </p:nvPr>
         </p:nvSpPr>
-        <p:spPr/>
+        <p:spPr>
+          <a:xfrm>
+            <a:off x="7988999" y="8686800"/>
+            <a:ext cx="241300" cy="492443"/>
+          </a:xfrm>
+        </p:spPr>
         <p:txBody>
           <a:bodyPr lIns="0" tIns="0" rIns="0" bIns="0"/>
           <a:lstStyle>
             <a:lvl1pPr>
-              <a:defRPr sz="1000" b="0" i="0">
+              <a:defRPr sz="1600" b="0" i="0">
                 <a:solidFill>
                   <a:schemeClr val="tx1"/>
                 </a:solidFill>
@@ -484,16 +926,13 @@
             </a:lvl1pPr>
           </a:lstStyle>
           <a:p>
-            <a:pPr marL="25400">
-              <a:lnSpc>
-                <a:spcPct val="100000"/>
-              </a:lnSpc>
-            </a:pPr>
+            <a:pPr marL="25400"/>
             <a:fld id="{81D60167-4931-47E6-BA6A-407CBD079E47}" type="slidenum">
-              <a:rPr dirty="0"/>
+              <a:rPr lang="en-US" smtClean="0"/>
+              <a:pPr marL="25400"/>
               <a:t>‹#›</a:t>
             </a:fld>
-            <a:endParaRPr dirty="0"/>
+            <a:endParaRPr lang="en-US" dirty="0"/>
           </a:p>
         </p:txBody>
       </p:sp>
@@ -3698,7 +4137,7 @@
           <a:p>
             <a:fld id="{1D8BD707-D9CF-40AE-B4C6-C98DA3205C09}" type="datetimeFigureOut">
               <a:rPr lang="en-US"/>
-              <a:t>6/5/2015</a:t>
+              <a:t>7/6/2015</a:t>
             </a:fld>
             <a:endParaRPr lang="en-US"/>
           </a:p>
@@ -3852,7 +4291,7 @@
           <a:p>
             <a:fld id="{1D8BD707-D9CF-40AE-B4C6-C98DA3205C09}" type="datetimeFigureOut">
               <a:rPr lang="en-US"/>
-              <a:t>6/5/2015</a:t>
+              <a:t>7/6/2015</a:t>
             </a:fld>
             <a:endParaRPr lang="en-US"/>
           </a:p>
@@ -7025,7 +7464,7 @@
           <a:p>
             <a:fld id="{1D8BD707-D9CF-40AE-B4C6-C98DA3205C09}" type="datetimeFigureOut">
               <a:rPr lang="en-US"/>
-              <a:t>6/5/2015</a:t>
+              <a:t>7/6/2015</a:t>
             </a:fld>
             <a:endParaRPr lang="en-US"/>
           </a:p>
@@ -7306,7 +7745,7 @@
           <a:p>
             <a:fld id="{1D8BD707-D9CF-40AE-B4C6-C98DA3205C09}" type="datetimeFigureOut">
               <a:rPr lang="en-US"/>
-              <a:t>6/5/2015</a:t>
+              <a:t>7/6/2015</a:t>
             </a:fld>
             <a:endParaRPr lang="en-US"/>
           </a:p>
@@ -13175,3872 +13614,6 @@
       </p:sp>
       <p:sp>
         <p:nvSpPr>
-          <p:cNvPr id="69" name="object 69"/>
-          <p:cNvSpPr/>
-          <p:nvPr/>
-        </p:nvSpPr>
-        <p:spPr>
-          <a:xfrm>
-            <a:off x="0" y="7772400"/>
-            <a:ext cx="584200" cy="279400"/>
-          </a:xfrm>
-          <a:prstGeom prst="rect">
-            <a:avLst/>
-          </a:prstGeom>
-          <a:blipFill>
-            <a:blip r:embed="rId2" cstate="print"/>
-            <a:stretch>
-              <a:fillRect/>
-            </a:stretch>
-          </a:blipFill>
-        </p:spPr>
-        <p:txBody>
-          <a:bodyPr wrap="square" lIns="0" tIns="0" rIns="0" bIns="0" rtlCol="0"/>
-          <a:lstStyle/>
-          <a:p>
-            <a:endParaRPr/>
-          </a:p>
-        </p:txBody>
-      </p:sp>
-      <p:sp>
-        <p:nvSpPr>
-          <p:cNvPr id="70" name="object 70"/>
-          <p:cNvSpPr/>
-          <p:nvPr/>
-        </p:nvSpPr>
-        <p:spPr>
-          <a:xfrm>
-            <a:off x="495300" y="7772400"/>
-            <a:ext cx="228600" cy="279400"/>
-          </a:xfrm>
-          <a:prstGeom prst="rect">
-            <a:avLst/>
-          </a:prstGeom>
-          <a:blipFill>
-            <a:blip r:embed="rId3" cstate="print"/>
-            <a:stretch>
-              <a:fillRect/>
-            </a:stretch>
-          </a:blipFill>
-        </p:spPr>
-        <p:txBody>
-          <a:bodyPr wrap="square" lIns="0" tIns="0" rIns="0" bIns="0" rtlCol="0"/>
-          <a:lstStyle/>
-          <a:p>
-            <a:endParaRPr/>
-          </a:p>
-        </p:txBody>
-      </p:sp>
-      <p:sp>
-        <p:nvSpPr>
-          <p:cNvPr id="71" name="object 71"/>
-          <p:cNvSpPr txBox="1"/>
-          <p:nvPr/>
-        </p:nvSpPr>
-        <p:spPr>
-          <a:xfrm>
-            <a:off x="25400" y="7785239"/>
-            <a:ext cx="648335" cy="254000"/>
-          </a:xfrm>
-          <a:prstGeom prst="rect">
-            <a:avLst/>
-          </a:prstGeom>
-        </p:spPr>
-        <p:txBody>
-          <a:bodyPr vert="horz" wrap="square" lIns="0" tIns="0" rIns="0" bIns="0" rtlCol="0">
-            <a:spAutoFit/>
-          </a:bodyPr>
-          <a:lstStyle/>
-          <a:p>
-            <a:pPr marL="12700">
-              <a:lnSpc>
-                <a:spcPct val="100000"/>
-              </a:lnSpc>
-            </a:pPr>
-            <a:r>
-              <a:rPr sz="1800" dirty="0">
-                <a:solidFill>
-                  <a:srgbClr val="A1C3E5"/>
-                </a:solidFill>
-                <a:latin typeface="Arial"/>
-                <a:cs typeface="Arial"/>
-              </a:rPr>
-              <a:t>v1</a:t>
-            </a:r>
-            <a:r>
-              <a:rPr sz="1800" spc="-5" dirty="0">
-                <a:solidFill>
-                  <a:srgbClr val="A1C3E5"/>
-                </a:solidFill>
-                <a:latin typeface="Arial"/>
-                <a:cs typeface="Arial"/>
-              </a:rPr>
-              <a:t>.</a:t>
-            </a:r>
-            <a:r>
-              <a:rPr sz="1800" dirty="0">
-                <a:solidFill>
-                  <a:srgbClr val="A1C3E5"/>
-                </a:solidFill>
-                <a:latin typeface="Arial"/>
-                <a:cs typeface="Arial"/>
-              </a:rPr>
-              <a:t>1</a:t>
-            </a:r>
-            <a:r>
-              <a:rPr sz="1800" spc="-10" dirty="0">
-                <a:solidFill>
-                  <a:srgbClr val="A1C3E5"/>
-                </a:solidFill>
-                <a:latin typeface="Arial"/>
-                <a:cs typeface="Arial"/>
-              </a:rPr>
-              <a:t>.</a:t>
-            </a:r>
-            <a:r>
-              <a:rPr sz="1800" dirty="0">
-                <a:solidFill>
-                  <a:srgbClr val="A1C3E5"/>
-                </a:solidFill>
-                <a:latin typeface="Arial"/>
-                <a:cs typeface="Arial"/>
-              </a:rPr>
-              <a:t>4</a:t>
-            </a:r>
-            <a:endParaRPr sz="1800">
-              <a:latin typeface="Arial"/>
-              <a:cs typeface="Arial"/>
-            </a:endParaRPr>
-          </a:p>
-        </p:txBody>
-      </p:sp>
-      <p:sp>
-        <p:nvSpPr>
-          <p:cNvPr id="72" name="object 72"/>
-          <p:cNvSpPr/>
-          <p:nvPr/>
-        </p:nvSpPr>
-        <p:spPr>
-          <a:xfrm>
-            <a:off x="14449603" y="8889347"/>
-            <a:ext cx="69850" cy="76200"/>
-          </a:xfrm>
-          <a:custGeom>
-            <a:avLst/>
-            <a:gdLst/>
-            <a:ahLst/>
-            <a:cxnLst/>
-            <a:rect l="l" t="t" r="r" b="b"/>
-            <a:pathLst>
-              <a:path w="69850" h="76200">
-                <a:moveTo>
-                  <a:pt x="34007" y="0"/>
-                </a:moveTo>
-                <a:lnTo>
-                  <a:pt x="20215" y="4098"/>
-                </a:lnTo>
-                <a:lnTo>
-                  <a:pt x="9467" y="12596"/>
-                </a:lnTo>
-                <a:lnTo>
-                  <a:pt x="2487" y="24376"/>
-                </a:lnTo>
-                <a:lnTo>
-                  <a:pt x="0" y="38322"/>
-                </a:lnTo>
-                <a:lnTo>
-                  <a:pt x="0" y="38535"/>
-                </a:lnTo>
-                <a:lnTo>
-                  <a:pt x="29305" y="74413"/>
-                </a:lnTo>
-                <a:lnTo>
-                  <a:pt x="46971" y="76064"/>
-                </a:lnTo>
-                <a:lnTo>
-                  <a:pt x="59421" y="71832"/>
-                </a:lnTo>
-                <a:lnTo>
-                  <a:pt x="69227" y="65248"/>
-                </a:lnTo>
-                <a:lnTo>
-                  <a:pt x="69227" y="63280"/>
-                </a:lnTo>
-                <a:lnTo>
-                  <a:pt x="44271" y="63280"/>
-                </a:lnTo>
-                <a:lnTo>
-                  <a:pt x="26472" y="61967"/>
-                </a:lnTo>
-                <a:lnTo>
-                  <a:pt x="17054" y="52512"/>
-                </a:lnTo>
-                <a:lnTo>
-                  <a:pt x="13639" y="38322"/>
-                </a:lnTo>
-                <a:lnTo>
-                  <a:pt x="16016" y="26647"/>
-                </a:lnTo>
-                <a:lnTo>
-                  <a:pt x="24599" y="15974"/>
-                </a:lnTo>
-                <a:lnTo>
-                  <a:pt x="37617" y="11823"/>
-                </a:lnTo>
-                <a:lnTo>
-                  <a:pt x="59553" y="11823"/>
-                </a:lnTo>
-                <a:lnTo>
-                  <a:pt x="60513" y="5486"/>
-                </a:lnTo>
-                <a:lnTo>
-                  <a:pt x="49679" y="1304"/>
-                </a:lnTo>
-                <a:lnTo>
-                  <a:pt x="34007" y="0"/>
-                </a:lnTo>
-                <a:close/>
-              </a:path>
-              <a:path w="69850" h="76200">
-                <a:moveTo>
-                  <a:pt x="69227" y="33959"/>
-                </a:moveTo>
-                <a:lnTo>
-                  <a:pt x="37731" y="33959"/>
-                </a:lnTo>
-                <a:lnTo>
-                  <a:pt x="37731" y="45346"/>
-                </a:lnTo>
-                <a:lnTo>
-                  <a:pt x="56642" y="45346"/>
-                </a:lnTo>
-                <a:lnTo>
-                  <a:pt x="53778" y="61083"/>
-                </a:lnTo>
-                <a:lnTo>
-                  <a:pt x="44271" y="63280"/>
-                </a:lnTo>
-                <a:lnTo>
-                  <a:pt x="69227" y="63280"/>
-                </a:lnTo>
-                <a:lnTo>
-                  <a:pt x="69227" y="33959"/>
-                </a:lnTo>
-                <a:close/>
-              </a:path>
-              <a:path w="69850" h="76200">
-                <a:moveTo>
-                  <a:pt x="59553" y="11823"/>
-                </a:moveTo>
-                <a:lnTo>
-                  <a:pt x="47028" y="11823"/>
-                </a:lnTo>
-                <a:lnTo>
-                  <a:pt x="52628" y="14904"/>
-                </a:lnTo>
-                <a:lnTo>
-                  <a:pt x="58343" y="19805"/>
-                </a:lnTo>
-                <a:lnTo>
-                  <a:pt x="59553" y="11823"/>
-                </a:lnTo>
-                <a:close/>
-              </a:path>
-            </a:pathLst>
-          </a:custGeom>
-          <a:solidFill>
-            <a:srgbClr val="F58100"/>
-          </a:solidFill>
-        </p:spPr>
-        <p:txBody>
-          <a:bodyPr wrap="square" lIns="0" tIns="0" rIns="0" bIns="0" rtlCol="0"/>
-          <a:lstStyle/>
-          <a:p>
-            <a:endParaRPr/>
-          </a:p>
-        </p:txBody>
-      </p:sp>
-      <p:sp>
-        <p:nvSpPr>
-          <p:cNvPr id="73" name="object 73"/>
-          <p:cNvSpPr/>
-          <p:nvPr/>
-        </p:nvSpPr>
-        <p:spPr>
-          <a:xfrm>
-            <a:off x="14558962" y="8890416"/>
-            <a:ext cx="55880" cy="74930"/>
-          </a:xfrm>
-          <a:custGeom>
-            <a:avLst/>
-            <a:gdLst/>
-            <a:ahLst/>
-            <a:cxnLst/>
-            <a:rect l="l" t="t" r="r" b="b"/>
-            <a:pathLst>
-              <a:path w="55880" h="74929">
-                <a:moveTo>
-                  <a:pt x="54851" y="0"/>
-                </a:moveTo>
-                <a:lnTo>
-                  <a:pt x="0" y="0"/>
-                </a:lnTo>
-                <a:lnTo>
-                  <a:pt x="0" y="74506"/>
-                </a:lnTo>
-                <a:lnTo>
-                  <a:pt x="55384" y="74506"/>
-                </a:lnTo>
-                <a:lnTo>
-                  <a:pt x="55384" y="62800"/>
-                </a:lnTo>
-                <a:lnTo>
-                  <a:pt x="13004" y="62800"/>
-                </a:lnTo>
-                <a:lnTo>
-                  <a:pt x="13004" y="42792"/>
-                </a:lnTo>
-                <a:lnTo>
-                  <a:pt x="50101" y="42792"/>
-                </a:lnTo>
-                <a:lnTo>
-                  <a:pt x="50101" y="31080"/>
-                </a:lnTo>
-                <a:lnTo>
-                  <a:pt x="13004" y="31080"/>
-                </a:lnTo>
-                <a:lnTo>
-                  <a:pt x="13004" y="11711"/>
-                </a:lnTo>
-                <a:lnTo>
-                  <a:pt x="54851" y="11711"/>
-                </a:lnTo>
-                <a:lnTo>
-                  <a:pt x="54851" y="0"/>
-                </a:lnTo>
-                <a:close/>
-              </a:path>
-            </a:pathLst>
-          </a:custGeom>
-          <a:solidFill>
-            <a:srgbClr val="F58100"/>
-          </a:solidFill>
-        </p:spPr>
-        <p:txBody>
-          <a:bodyPr wrap="square" lIns="0" tIns="0" rIns="0" bIns="0" rtlCol="0"/>
-          <a:lstStyle/>
-          <a:p>
-            <a:endParaRPr/>
-          </a:p>
-        </p:txBody>
-      </p:sp>
-      <p:sp>
-        <p:nvSpPr>
-          <p:cNvPr id="74" name="object 74"/>
-          <p:cNvSpPr/>
-          <p:nvPr/>
-        </p:nvSpPr>
-        <p:spPr>
-          <a:xfrm>
-            <a:off x="14647722" y="8890415"/>
-            <a:ext cx="60325" cy="74930"/>
-          </a:xfrm>
-          <a:custGeom>
-            <a:avLst/>
-            <a:gdLst/>
-            <a:ahLst/>
-            <a:cxnLst/>
-            <a:rect l="l" t="t" r="r" b="b"/>
-            <a:pathLst>
-              <a:path w="60325" h="74929">
-                <a:moveTo>
-                  <a:pt x="36575" y="12137"/>
-                </a:moveTo>
-                <a:lnTo>
-                  <a:pt x="23469" y="12137"/>
-                </a:lnTo>
-                <a:lnTo>
-                  <a:pt x="23469" y="74511"/>
-                </a:lnTo>
-                <a:lnTo>
-                  <a:pt x="36575" y="74511"/>
-                </a:lnTo>
-                <a:lnTo>
-                  <a:pt x="36575" y="12137"/>
-                </a:lnTo>
-                <a:close/>
-              </a:path>
-              <a:path w="60325" h="74929">
-                <a:moveTo>
-                  <a:pt x="60032" y="0"/>
-                </a:moveTo>
-                <a:lnTo>
-                  <a:pt x="0" y="0"/>
-                </a:lnTo>
-                <a:lnTo>
-                  <a:pt x="0" y="12137"/>
-                </a:lnTo>
-                <a:lnTo>
-                  <a:pt x="60032" y="12137"/>
-                </a:lnTo>
-                <a:lnTo>
-                  <a:pt x="60032" y="0"/>
-                </a:lnTo>
-                <a:close/>
-              </a:path>
-            </a:pathLst>
-          </a:custGeom>
-          <a:solidFill>
-            <a:srgbClr val="F58100"/>
-          </a:solidFill>
-        </p:spPr>
-        <p:txBody>
-          <a:bodyPr wrap="square" lIns="0" tIns="0" rIns="0" bIns="0" rtlCol="0"/>
-          <a:lstStyle/>
-          <a:p>
-            <a:endParaRPr/>
-          </a:p>
-        </p:txBody>
-      </p:sp>
-      <p:sp>
-        <p:nvSpPr>
-          <p:cNvPr id="75" name="object 75"/>
-          <p:cNvSpPr/>
-          <p:nvPr/>
-        </p:nvSpPr>
-        <p:spPr>
-          <a:xfrm>
-            <a:off x="14737422" y="8889343"/>
-            <a:ext cx="67945" cy="76200"/>
-          </a:xfrm>
-          <a:custGeom>
-            <a:avLst/>
-            <a:gdLst/>
-            <a:ahLst/>
-            <a:cxnLst/>
-            <a:rect l="l" t="t" r="r" b="b"/>
-            <a:pathLst>
-              <a:path w="67944" h="76200">
-                <a:moveTo>
-                  <a:pt x="33990" y="0"/>
-                </a:moveTo>
-                <a:lnTo>
-                  <a:pt x="20171" y="4041"/>
-                </a:lnTo>
-                <a:lnTo>
-                  <a:pt x="9432" y="12471"/>
-                </a:lnTo>
-                <a:lnTo>
-                  <a:pt x="2474" y="24246"/>
-                </a:lnTo>
-                <a:lnTo>
-                  <a:pt x="0" y="38326"/>
-                </a:lnTo>
-                <a:lnTo>
-                  <a:pt x="0" y="38539"/>
-                </a:lnTo>
-                <a:lnTo>
-                  <a:pt x="29115" y="74364"/>
-                </a:lnTo>
-                <a:lnTo>
-                  <a:pt x="46218" y="76103"/>
-                </a:lnTo>
-                <a:lnTo>
-                  <a:pt x="58074" y="71593"/>
-                </a:lnTo>
-                <a:lnTo>
-                  <a:pt x="67640" y="63655"/>
-                </a:lnTo>
-                <a:lnTo>
-                  <a:pt x="64478" y="62684"/>
-                </a:lnTo>
-                <a:lnTo>
-                  <a:pt x="43914" y="62684"/>
-                </a:lnTo>
-                <a:lnTo>
-                  <a:pt x="26698" y="61955"/>
-                </a:lnTo>
-                <a:lnTo>
-                  <a:pt x="17182" y="52350"/>
-                </a:lnTo>
-                <a:lnTo>
-                  <a:pt x="13639" y="38326"/>
-                </a:lnTo>
-                <a:lnTo>
-                  <a:pt x="16102" y="26296"/>
-                </a:lnTo>
-                <a:lnTo>
-                  <a:pt x="24761" y="15835"/>
-                </a:lnTo>
-                <a:lnTo>
-                  <a:pt x="38049" y="11826"/>
-                </a:lnTo>
-                <a:lnTo>
-                  <a:pt x="60013" y="11826"/>
-                </a:lnTo>
-                <a:lnTo>
-                  <a:pt x="60765" y="6253"/>
-                </a:lnTo>
-                <a:lnTo>
-                  <a:pt x="49929" y="1592"/>
-                </a:lnTo>
-                <a:lnTo>
-                  <a:pt x="33990" y="0"/>
-                </a:lnTo>
-                <a:close/>
-              </a:path>
-              <a:path w="67944" h="76200">
-                <a:moveTo>
-                  <a:pt x="53908" y="59437"/>
-                </a:moveTo>
-                <a:lnTo>
-                  <a:pt x="43914" y="62684"/>
-                </a:lnTo>
-                <a:lnTo>
-                  <a:pt x="64478" y="62684"/>
-                </a:lnTo>
-                <a:lnTo>
-                  <a:pt x="53908" y="59437"/>
-                </a:lnTo>
-                <a:close/>
-              </a:path>
-              <a:path w="67944" h="76200">
-                <a:moveTo>
-                  <a:pt x="60013" y="11826"/>
-                </a:moveTo>
-                <a:lnTo>
-                  <a:pt x="46507" y="11826"/>
-                </a:lnTo>
-                <a:lnTo>
-                  <a:pt x="52844" y="15546"/>
-                </a:lnTo>
-                <a:lnTo>
-                  <a:pt x="58762" y="21085"/>
-                </a:lnTo>
-                <a:lnTo>
-                  <a:pt x="60013" y="11826"/>
-                </a:lnTo>
-                <a:close/>
-              </a:path>
-            </a:pathLst>
-          </a:custGeom>
-          <a:solidFill>
-            <a:srgbClr val="F58100"/>
-          </a:solidFill>
-        </p:spPr>
-        <p:txBody>
-          <a:bodyPr wrap="square" lIns="0" tIns="0" rIns="0" bIns="0" rtlCol="0"/>
-          <a:lstStyle/>
-          <a:p>
-            <a:endParaRPr/>
-          </a:p>
-        </p:txBody>
-      </p:sp>
-      <p:sp>
-        <p:nvSpPr>
-          <p:cNvPr id="76" name="object 76"/>
-          <p:cNvSpPr/>
-          <p:nvPr/>
-        </p:nvSpPr>
-        <p:spPr>
-          <a:xfrm>
-            <a:off x="14841931" y="8890416"/>
-            <a:ext cx="61594" cy="74930"/>
-          </a:xfrm>
-          <a:custGeom>
-            <a:avLst/>
-            <a:gdLst/>
-            <a:ahLst/>
-            <a:cxnLst/>
-            <a:rect l="l" t="t" r="r" b="b"/>
-            <a:pathLst>
-              <a:path w="61594" h="74929">
-                <a:moveTo>
-                  <a:pt x="12992" y="0"/>
-                </a:moveTo>
-                <a:lnTo>
-                  <a:pt x="0" y="0"/>
-                </a:lnTo>
-                <a:lnTo>
-                  <a:pt x="0" y="74506"/>
-                </a:lnTo>
-                <a:lnTo>
-                  <a:pt x="12992" y="74506"/>
-                </a:lnTo>
-                <a:lnTo>
-                  <a:pt x="12992" y="43106"/>
-                </a:lnTo>
-                <a:lnTo>
-                  <a:pt x="61302" y="43106"/>
-                </a:lnTo>
-                <a:lnTo>
-                  <a:pt x="61302" y="30974"/>
-                </a:lnTo>
-                <a:lnTo>
-                  <a:pt x="12992" y="30974"/>
-                </a:lnTo>
-                <a:lnTo>
-                  <a:pt x="12992" y="0"/>
-                </a:lnTo>
-                <a:close/>
-              </a:path>
-              <a:path w="61594" h="74929">
-                <a:moveTo>
-                  <a:pt x="61302" y="43106"/>
-                </a:moveTo>
-                <a:lnTo>
-                  <a:pt x="48298" y="43106"/>
-                </a:lnTo>
-                <a:lnTo>
-                  <a:pt x="48298" y="74506"/>
-                </a:lnTo>
-                <a:lnTo>
-                  <a:pt x="61302" y="74506"/>
-                </a:lnTo>
-                <a:lnTo>
-                  <a:pt x="61302" y="43106"/>
-                </a:lnTo>
-                <a:close/>
-              </a:path>
-              <a:path w="61594" h="74929">
-                <a:moveTo>
-                  <a:pt x="61302" y="0"/>
-                </a:moveTo>
-                <a:lnTo>
-                  <a:pt x="48298" y="0"/>
-                </a:lnTo>
-                <a:lnTo>
-                  <a:pt x="48298" y="30974"/>
-                </a:lnTo>
-                <a:lnTo>
-                  <a:pt x="61302" y="30974"/>
-                </a:lnTo>
-                <a:lnTo>
-                  <a:pt x="61302" y="0"/>
-                </a:lnTo>
-                <a:close/>
-              </a:path>
-            </a:pathLst>
-          </a:custGeom>
-          <a:solidFill>
-            <a:srgbClr val="F58100"/>
-          </a:solidFill>
-        </p:spPr>
-        <p:txBody>
-          <a:bodyPr wrap="square" lIns="0" tIns="0" rIns="0" bIns="0" rtlCol="0"/>
-          <a:lstStyle/>
-          <a:p>
-            <a:endParaRPr/>
-          </a:p>
-        </p:txBody>
-      </p:sp>
-      <p:sp>
-        <p:nvSpPr>
-          <p:cNvPr id="77" name="object 77"/>
-          <p:cNvSpPr/>
-          <p:nvPr/>
-        </p:nvSpPr>
-        <p:spPr>
-          <a:xfrm>
-            <a:off x="14945487" y="8890416"/>
-            <a:ext cx="55880" cy="74930"/>
-          </a:xfrm>
-          <a:custGeom>
-            <a:avLst/>
-            <a:gdLst/>
-            <a:ahLst/>
-            <a:cxnLst/>
-            <a:rect l="l" t="t" r="r" b="b"/>
-            <a:pathLst>
-              <a:path w="55880" h="74929">
-                <a:moveTo>
-                  <a:pt x="54851" y="0"/>
-                </a:moveTo>
-                <a:lnTo>
-                  <a:pt x="0" y="0"/>
-                </a:lnTo>
-                <a:lnTo>
-                  <a:pt x="0" y="74506"/>
-                </a:lnTo>
-                <a:lnTo>
-                  <a:pt x="55384" y="74506"/>
-                </a:lnTo>
-                <a:lnTo>
-                  <a:pt x="55384" y="62800"/>
-                </a:lnTo>
-                <a:lnTo>
-                  <a:pt x="12992" y="62800"/>
-                </a:lnTo>
-                <a:lnTo>
-                  <a:pt x="12992" y="42792"/>
-                </a:lnTo>
-                <a:lnTo>
-                  <a:pt x="50088" y="42792"/>
-                </a:lnTo>
-                <a:lnTo>
-                  <a:pt x="50088" y="31080"/>
-                </a:lnTo>
-                <a:lnTo>
-                  <a:pt x="12992" y="31080"/>
-                </a:lnTo>
-                <a:lnTo>
-                  <a:pt x="12992" y="11711"/>
-                </a:lnTo>
-                <a:lnTo>
-                  <a:pt x="54851" y="11711"/>
-                </a:lnTo>
-                <a:lnTo>
-                  <a:pt x="54851" y="0"/>
-                </a:lnTo>
-                <a:close/>
-              </a:path>
-            </a:pathLst>
-          </a:custGeom>
-          <a:solidFill>
-            <a:srgbClr val="F58100"/>
-          </a:solidFill>
-        </p:spPr>
-        <p:txBody>
-          <a:bodyPr wrap="square" lIns="0" tIns="0" rIns="0" bIns="0" rtlCol="0"/>
-          <a:lstStyle/>
-          <a:p>
-            <a:endParaRPr/>
-          </a:p>
-        </p:txBody>
-      </p:sp>
-      <p:sp>
-        <p:nvSpPr>
-          <p:cNvPr id="78" name="object 78"/>
-          <p:cNvSpPr/>
-          <p:nvPr/>
-        </p:nvSpPr>
-        <p:spPr>
-          <a:xfrm>
-            <a:off x="15039530" y="8890416"/>
-            <a:ext cx="55244" cy="74930"/>
-          </a:xfrm>
-          <a:custGeom>
-            <a:avLst/>
-            <a:gdLst/>
-            <a:ahLst/>
-            <a:cxnLst/>
-            <a:rect l="l" t="t" r="r" b="b"/>
-            <a:pathLst>
-              <a:path w="55244" h="74929">
-                <a:moveTo>
-                  <a:pt x="55067" y="0"/>
-                </a:moveTo>
-                <a:lnTo>
-                  <a:pt x="0" y="0"/>
-                </a:lnTo>
-                <a:lnTo>
-                  <a:pt x="0" y="74506"/>
-                </a:lnTo>
-                <a:lnTo>
-                  <a:pt x="12992" y="74506"/>
-                </a:lnTo>
-                <a:lnTo>
-                  <a:pt x="12992" y="44175"/>
-                </a:lnTo>
-                <a:lnTo>
-                  <a:pt x="50304" y="44175"/>
-                </a:lnTo>
-                <a:lnTo>
-                  <a:pt x="50304" y="32251"/>
-                </a:lnTo>
-                <a:lnTo>
-                  <a:pt x="12992" y="32251"/>
-                </a:lnTo>
-                <a:lnTo>
-                  <a:pt x="12992" y="11924"/>
-                </a:lnTo>
-                <a:lnTo>
-                  <a:pt x="55067" y="11924"/>
-                </a:lnTo>
-                <a:lnTo>
-                  <a:pt x="55067" y="0"/>
-                </a:lnTo>
-                <a:close/>
-              </a:path>
-            </a:pathLst>
-          </a:custGeom>
-          <a:solidFill>
-            <a:srgbClr val="F58100"/>
-          </a:solidFill>
-        </p:spPr>
-        <p:txBody>
-          <a:bodyPr wrap="square" lIns="0" tIns="0" rIns="0" bIns="0" rtlCol="0"/>
-          <a:lstStyle/>
-          <a:p>
-            <a:endParaRPr/>
-          </a:p>
-        </p:txBody>
-      </p:sp>
-      <p:sp>
-        <p:nvSpPr>
-          <p:cNvPr id="79" name="object 79"/>
-          <p:cNvSpPr/>
-          <p:nvPr/>
-        </p:nvSpPr>
-        <p:spPr>
-          <a:xfrm>
-            <a:off x="15119185" y="8957635"/>
-            <a:ext cx="14604" cy="0"/>
-          </a:xfrm>
-          <a:custGeom>
-            <a:avLst/>
-            <a:gdLst/>
-            <a:ahLst/>
-            <a:cxnLst/>
-            <a:rect l="l" t="t" r="r" b="b"/>
-            <a:pathLst>
-              <a:path w="14605">
-                <a:moveTo>
-                  <a:pt x="0" y="0"/>
-                </a:moveTo>
-                <a:lnTo>
-                  <a:pt x="14058" y="0"/>
-                </a:lnTo>
-              </a:path>
-            </a:pathLst>
-          </a:custGeom>
-          <a:ln w="14584">
-            <a:solidFill>
-              <a:srgbClr val="F58100"/>
-            </a:solidFill>
-          </a:ln>
-        </p:spPr>
-        <p:txBody>
-          <a:bodyPr wrap="square" lIns="0" tIns="0" rIns="0" bIns="0" rtlCol="0"/>
-          <a:lstStyle/>
-          <a:p>
-            <a:endParaRPr/>
-          </a:p>
-        </p:txBody>
-      </p:sp>
-      <p:sp>
-        <p:nvSpPr>
-          <p:cNvPr id="80" name="object 80"/>
-          <p:cNvSpPr/>
-          <p:nvPr/>
-        </p:nvSpPr>
-        <p:spPr>
-          <a:xfrm>
-            <a:off x="15165678" y="8889343"/>
-            <a:ext cx="67945" cy="76200"/>
-          </a:xfrm>
-          <a:custGeom>
-            <a:avLst/>
-            <a:gdLst/>
-            <a:ahLst/>
-            <a:cxnLst/>
-            <a:rect l="l" t="t" r="r" b="b"/>
-            <a:pathLst>
-              <a:path w="67944" h="76200">
-                <a:moveTo>
-                  <a:pt x="33990" y="0"/>
-                </a:moveTo>
-                <a:lnTo>
-                  <a:pt x="20171" y="4041"/>
-                </a:lnTo>
-                <a:lnTo>
-                  <a:pt x="9432" y="12471"/>
-                </a:lnTo>
-                <a:lnTo>
-                  <a:pt x="2474" y="24246"/>
-                </a:lnTo>
-                <a:lnTo>
-                  <a:pt x="0" y="38326"/>
-                </a:lnTo>
-                <a:lnTo>
-                  <a:pt x="0" y="38539"/>
-                </a:lnTo>
-                <a:lnTo>
-                  <a:pt x="29118" y="74364"/>
-                </a:lnTo>
-                <a:lnTo>
-                  <a:pt x="46222" y="76101"/>
-                </a:lnTo>
-                <a:lnTo>
-                  <a:pt x="58077" y="71591"/>
-                </a:lnTo>
-                <a:lnTo>
-                  <a:pt x="67640" y="63655"/>
-                </a:lnTo>
-                <a:lnTo>
-                  <a:pt x="64479" y="62683"/>
-                </a:lnTo>
-                <a:lnTo>
-                  <a:pt x="43918" y="62683"/>
-                </a:lnTo>
-                <a:lnTo>
-                  <a:pt x="26698" y="61955"/>
-                </a:lnTo>
-                <a:lnTo>
-                  <a:pt x="17182" y="52350"/>
-                </a:lnTo>
-                <a:lnTo>
-                  <a:pt x="13639" y="38326"/>
-                </a:lnTo>
-                <a:lnTo>
-                  <a:pt x="16102" y="26296"/>
-                </a:lnTo>
-                <a:lnTo>
-                  <a:pt x="24761" y="15835"/>
-                </a:lnTo>
-                <a:lnTo>
-                  <a:pt x="38049" y="11826"/>
-                </a:lnTo>
-                <a:lnTo>
-                  <a:pt x="60014" y="11826"/>
-                </a:lnTo>
-                <a:lnTo>
-                  <a:pt x="60766" y="6257"/>
-                </a:lnTo>
-                <a:lnTo>
-                  <a:pt x="49933" y="1593"/>
-                </a:lnTo>
-                <a:lnTo>
-                  <a:pt x="33990" y="0"/>
-                </a:lnTo>
-                <a:close/>
-              </a:path>
-              <a:path w="67944" h="76200">
-                <a:moveTo>
-                  <a:pt x="53909" y="59434"/>
-                </a:moveTo>
-                <a:lnTo>
-                  <a:pt x="43918" y="62683"/>
-                </a:lnTo>
-                <a:lnTo>
-                  <a:pt x="64479" y="62683"/>
-                </a:lnTo>
-                <a:lnTo>
-                  <a:pt x="53909" y="59434"/>
-                </a:lnTo>
-                <a:close/>
-              </a:path>
-              <a:path w="67944" h="76200">
-                <a:moveTo>
-                  <a:pt x="60014" y="11826"/>
-                </a:moveTo>
-                <a:lnTo>
-                  <a:pt x="46507" y="11826"/>
-                </a:lnTo>
-                <a:lnTo>
-                  <a:pt x="52844" y="15546"/>
-                </a:lnTo>
-                <a:lnTo>
-                  <a:pt x="58762" y="21085"/>
-                </a:lnTo>
-                <a:lnTo>
-                  <a:pt x="60014" y="11826"/>
-                </a:lnTo>
-                <a:close/>
-              </a:path>
-            </a:pathLst>
-          </a:custGeom>
-          <a:solidFill>
-            <a:srgbClr val="F58100"/>
-          </a:solidFill>
-        </p:spPr>
-        <p:txBody>
-          <a:bodyPr wrap="square" lIns="0" tIns="0" rIns="0" bIns="0" rtlCol="0"/>
-          <a:lstStyle/>
-          <a:p>
-            <a:endParaRPr/>
-          </a:p>
-        </p:txBody>
-      </p:sp>
-      <p:sp>
-        <p:nvSpPr>
-          <p:cNvPr id="81" name="object 81"/>
-          <p:cNvSpPr/>
-          <p:nvPr/>
-        </p:nvSpPr>
-        <p:spPr>
-          <a:xfrm>
-            <a:off x="15264790" y="8889398"/>
-            <a:ext cx="77470" cy="76835"/>
-          </a:xfrm>
-          <a:custGeom>
-            <a:avLst/>
-            <a:gdLst/>
-            <a:ahLst/>
-            <a:cxnLst/>
-            <a:rect l="l" t="t" r="r" b="b"/>
-            <a:pathLst>
-              <a:path w="77469" h="76834">
-                <a:moveTo>
-                  <a:pt x="34062" y="0"/>
-                </a:moveTo>
-                <a:lnTo>
-                  <a:pt x="20222" y="4186"/>
-                </a:lnTo>
-                <a:lnTo>
-                  <a:pt x="9459" y="12670"/>
-                </a:lnTo>
-                <a:lnTo>
-                  <a:pt x="2482" y="24386"/>
-                </a:lnTo>
-                <a:lnTo>
-                  <a:pt x="0" y="38271"/>
-                </a:lnTo>
-                <a:lnTo>
-                  <a:pt x="0" y="38484"/>
-                </a:lnTo>
-                <a:lnTo>
-                  <a:pt x="26974" y="74326"/>
-                </a:lnTo>
-                <a:lnTo>
-                  <a:pt x="43292" y="76542"/>
-                </a:lnTo>
-                <a:lnTo>
-                  <a:pt x="57133" y="72355"/>
-                </a:lnTo>
-                <a:lnTo>
-                  <a:pt x="67896" y="63872"/>
-                </a:lnTo>
-                <a:lnTo>
-                  <a:pt x="69194" y="61691"/>
-                </a:lnTo>
-                <a:lnTo>
-                  <a:pt x="26700" y="61691"/>
-                </a:lnTo>
-                <a:lnTo>
-                  <a:pt x="17157" y="52073"/>
-                </a:lnTo>
-                <a:lnTo>
-                  <a:pt x="13627" y="38271"/>
-                </a:lnTo>
-                <a:lnTo>
-                  <a:pt x="14827" y="30031"/>
-                </a:lnTo>
-                <a:lnTo>
-                  <a:pt x="20826" y="20892"/>
-                </a:lnTo>
-                <a:lnTo>
-                  <a:pt x="32524" y="15358"/>
-                </a:lnTo>
-                <a:lnTo>
-                  <a:pt x="50653" y="14853"/>
-                </a:lnTo>
-                <a:lnTo>
-                  <a:pt x="68773" y="14853"/>
-                </a:lnTo>
-                <a:lnTo>
-                  <a:pt x="63094" y="8618"/>
-                </a:lnTo>
-                <a:lnTo>
-                  <a:pt x="50381" y="2216"/>
-                </a:lnTo>
-                <a:lnTo>
-                  <a:pt x="34062" y="0"/>
-                </a:lnTo>
-                <a:close/>
-              </a:path>
-              <a:path w="77469" h="76834">
-                <a:moveTo>
-                  <a:pt x="68773" y="14853"/>
-                </a:moveTo>
-                <a:lnTo>
-                  <a:pt x="50653" y="14853"/>
-                </a:lnTo>
-                <a:lnTo>
-                  <a:pt x="60197" y="24469"/>
-                </a:lnTo>
-                <a:lnTo>
-                  <a:pt x="63728" y="38271"/>
-                </a:lnTo>
-                <a:lnTo>
-                  <a:pt x="63728" y="38484"/>
-                </a:lnTo>
-                <a:lnTo>
-                  <a:pt x="62526" y="46515"/>
-                </a:lnTo>
-                <a:lnTo>
-                  <a:pt x="56526" y="55653"/>
-                </a:lnTo>
-                <a:lnTo>
-                  <a:pt x="44828" y="61187"/>
-                </a:lnTo>
-                <a:lnTo>
-                  <a:pt x="26700" y="61691"/>
-                </a:lnTo>
-                <a:lnTo>
-                  <a:pt x="69194" y="61691"/>
-                </a:lnTo>
-                <a:lnTo>
-                  <a:pt x="74872" y="52156"/>
-                </a:lnTo>
-                <a:lnTo>
-                  <a:pt x="77355" y="38271"/>
-                </a:lnTo>
-                <a:lnTo>
-                  <a:pt x="76633" y="30455"/>
-                </a:lnTo>
-                <a:lnTo>
-                  <a:pt x="71934" y="18325"/>
-                </a:lnTo>
-                <a:lnTo>
-                  <a:pt x="68773" y="14853"/>
-                </a:lnTo>
-                <a:close/>
-              </a:path>
-            </a:pathLst>
-          </a:custGeom>
-          <a:solidFill>
-            <a:srgbClr val="F58100"/>
-          </a:solidFill>
-        </p:spPr>
-        <p:txBody>
-          <a:bodyPr wrap="square" lIns="0" tIns="0" rIns="0" bIns="0" rtlCol="0"/>
-          <a:lstStyle/>
-          <a:p>
-            <a:endParaRPr/>
-          </a:p>
-        </p:txBody>
-      </p:sp>
-      <p:sp>
-        <p:nvSpPr>
-          <p:cNvPr id="82" name="object 82"/>
-          <p:cNvSpPr/>
-          <p:nvPr/>
-        </p:nvSpPr>
-        <p:spPr>
-          <a:xfrm>
-            <a:off x="15381135" y="8890416"/>
-            <a:ext cx="73025" cy="74930"/>
-          </a:xfrm>
-          <a:custGeom>
-            <a:avLst/>
-            <a:gdLst/>
-            <a:ahLst/>
-            <a:cxnLst/>
-            <a:rect l="l" t="t" r="r" b="b"/>
-            <a:pathLst>
-              <a:path w="73025" h="74929">
-                <a:moveTo>
-                  <a:pt x="13842" y="0"/>
-                </a:moveTo>
-                <a:lnTo>
-                  <a:pt x="0" y="0"/>
-                </a:lnTo>
-                <a:lnTo>
-                  <a:pt x="0" y="74506"/>
-                </a:lnTo>
-                <a:lnTo>
-                  <a:pt x="12776" y="74506"/>
-                </a:lnTo>
-                <a:lnTo>
-                  <a:pt x="12776" y="21284"/>
-                </a:lnTo>
-                <a:lnTo>
-                  <a:pt x="27438" y="21284"/>
-                </a:lnTo>
-                <a:lnTo>
-                  <a:pt x="13842" y="0"/>
-                </a:lnTo>
-                <a:close/>
-              </a:path>
-              <a:path w="73025" h="74929">
-                <a:moveTo>
-                  <a:pt x="72707" y="21072"/>
-                </a:moveTo>
-                <a:lnTo>
-                  <a:pt x="59702" y="21072"/>
-                </a:lnTo>
-                <a:lnTo>
-                  <a:pt x="59702" y="74506"/>
-                </a:lnTo>
-                <a:lnTo>
-                  <a:pt x="72707" y="74506"/>
-                </a:lnTo>
-                <a:lnTo>
-                  <a:pt x="72707" y="21072"/>
-                </a:lnTo>
-                <a:close/>
-              </a:path>
-              <a:path w="73025" h="74929">
-                <a:moveTo>
-                  <a:pt x="27438" y="21284"/>
-                </a:moveTo>
-                <a:lnTo>
-                  <a:pt x="12776" y="21284"/>
-                </a:lnTo>
-                <a:lnTo>
-                  <a:pt x="35928" y="56201"/>
-                </a:lnTo>
-                <a:lnTo>
-                  <a:pt x="36347" y="56201"/>
-                </a:lnTo>
-                <a:lnTo>
-                  <a:pt x="50289" y="35231"/>
-                </a:lnTo>
-                <a:lnTo>
-                  <a:pt x="36347" y="35231"/>
-                </a:lnTo>
-                <a:lnTo>
-                  <a:pt x="27438" y="21284"/>
-                </a:lnTo>
-                <a:close/>
-              </a:path>
-              <a:path w="73025" h="74929">
-                <a:moveTo>
-                  <a:pt x="72707" y="0"/>
-                </a:moveTo>
-                <a:lnTo>
-                  <a:pt x="58864" y="0"/>
-                </a:lnTo>
-                <a:lnTo>
-                  <a:pt x="36347" y="35231"/>
-                </a:lnTo>
-                <a:lnTo>
-                  <a:pt x="50289" y="35231"/>
-                </a:lnTo>
-                <a:lnTo>
-                  <a:pt x="59702" y="21072"/>
-                </a:lnTo>
-                <a:lnTo>
-                  <a:pt x="72707" y="21072"/>
-                </a:lnTo>
-                <a:lnTo>
-                  <a:pt x="72707" y="0"/>
-                </a:lnTo>
-                <a:close/>
-              </a:path>
-            </a:pathLst>
-          </a:custGeom>
-          <a:solidFill>
-            <a:srgbClr val="F58100"/>
-          </a:solidFill>
-        </p:spPr>
-        <p:txBody>
-          <a:bodyPr wrap="square" lIns="0" tIns="0" rIns="0" bIns="0" rtlCol="0"/>
-          <a:lstStyle/>
-          <a:p>
-            <a:endParaRPr/>
-          </a:p>
-        </p:txBody>
-      </p:sp>
-      <p:sp>
-        <p:nvSpPr>
-          <p:cNvPr id="83" name="object 83"/>
-          <p:cNvSpPr/>
-          <p:nvPr/>
-        </p:nvSpPr>
-        <p:spPr>
-          <a:xfrm>
-            <a:off x="15872979" y="8461253"/>
-            <a:ext cx="78740" cy="39370"/>
-          </a:xfrm>
-          <a:custGeom>
-            <a:avLst/>
-            <a:gdLst/>
-            <a:ahLst/>
-            <a:cxnLst/>
-            <a:rect l="l" t="t" r="r" b="b"/>
-            <a:pathLst>
-              <a:path w="78740" h="39370">
-                <a:moveTo>
-                  <a:pt x="17995" y="5316"/>
-                </a:moveTo>
-                <a:lnTo>
-                  <a:pt x="12446" y="5316"/>
-                </a:lnTo>
-                <a:lnTo>
-                  <a:pt x="12446" y="39004"/>
-                </a:lnTo>
-                <a:lnTo>
-                  <a:pt x="17995" y="39004"/>
-                </a:lnTo>
-                <a:lnTo>
-                  <a:pt x="17995" y="5316"/>
-                </a:lnTo>
-                <a:close/>
-              </a:path>
-              <a:path w="78740" h="39370">
-                <a:moveTo>
-                  <a:pt x="30429" y="0"/>
-                </a:moveTo>
-                <a:lnTo>
-                  <a:pt x="0" y="0"/>
-                </a:lnTo>
-                <a:lnTo>
-                  <a:pt x="0" y="5316"/>
-                </a:lnTo>
-                <a:lnTo>
-                  <a:pt x="30429" y="5316"/>
-                </a:lnTo>
-                <a:lnTo>
-                  <a:pt x="30429" y="0"/>
-                </a:lnTo>
-                <a:close/>
-              </a:path>
-              <a:path w="78740" h="39370">
-                <a:moveTo>
-                  <a:pt x="44907" y="0"/>
-                </a:moveTo>
-                <a:lnTo>
-                  <a:pt x="38976" y="0"/>
-                </a:lnTo>
-                <a:lnTo>
-                  <a:pt x="38976" y="39004"/>
-                </a:lnTo>
-                <a:lnTo>
-                  <a:pt x="44526" y="39004"/>
-                </a:lnTo>
-                <a:lnTo>
-                  <a:pt x="44526" y="9128"/>
-                </a:lnTo>
-                <a:lnTo>
-                  <a:pt x="50800" y="9128"/>
-                </a:lnTo>
-                <a:lnTo>
-                  <a:pt x="44907" y="0"/>
-                </a:lnTo>
-                <a:close/>
-              </a:path>
-              <a:path w="78740" h="39370">
-                <a:moveTo>
-                  <a:pt x="78219" y="9128"/>
-                </a:moveTo>
-                <a:lnTo>
-                  <a:pt x="72809" y="9128"/>
-                </a:lnTo>
-                <a:lnTo>
-                  <a:pt x="72809" y="39004"/>
-                </a:lnTo>
-                <a:lnTo>
-                  <a:pt x="78219" y="39004"/>
-                </a:lnTo>
-                <a:lnTo>
-                  <a:pt x="78219" y="9128"/>
-                </a:lnTo>
-                <a:close/>
-              </a:path>
-              <a:path w="78740" h="39370">
-                <a:moveTo>
-                  <a:pt x="50800" y="9128"/>
-                </a:moveTo>
-                <a:lnTo>
-                  <a:pt x="44526" y="9128"/>
-                </a:lnTo>
-                <a:lnTo>
-                  <a:pt x="58229" y="30263"/>
-                </a:lnTo>
-                <a:lnTo>
-                  <a:pt x="58978" y="30263"/>
-                </a:lnTo>
-                <a:lnTo>
-                  <a:pt x="64778" y="21401"/>
-                </a:lnTo>
-                <a:lnTo>
-                  <a:pt x="58724" y="21401"/>
-                </a:lnTo>
-                <a:lnTo>
-                  <a:pt x="50800" y="9128"/>
-                </a:lnTo>
-                <a:close/>
-              </a:path>
-              <a:path w="78740" h="39370">
-                <a:moveTo>
-                  <a:pt x="78219" y="0"/>
-                </a:moveTo>
-                <a:lnTo>
-                  <a:pt x="72428" y="0"/>
-                </a:lnTo>
-                <a:lnTo>
-                  <a:pt x="58724" y="21401"/>
-                </a:lnTo>
-                <a:lnTo>
-                  <a:pt x="64778" y="21401"/>
-                </a:lnTo>
-                <a:lnTo>
-                  <a:pt x="72809" y="9128"/>
-                </a:lnTo>
-                <a:lnTo>
-                  <a:pt x="78219" y="9128"/>
-                </a:lnTo>
-                <a:lnTo>
-                  <a:pt x="78219" y="0"/>
-                </a:lnTo>
-                <a:close/>
-              </a:path>
-            </a:pathLst>
-          </a:custGeom>
-          <a:solidFill>
-            <a:srgbClr val="495362"/>
-          </a:solidFill>
-        </p:spPr>
-        <p:txBody>
-          <a:bodyPr wrap="square" lIns="0" tIns="0" rIns="0" bIns="0" rtlCol="0"/>
-          <a:lstStyle/>
-          <a:p>
-            <a:endParaRPr/>
-          </a:p>
-        </p:txBody>
-      </p:sp>
-      <p:sp>
-        <p:nvSpPr>
-          <p:cNvPr id="84" name="object 84"/>
-          <p:cNvSpPr/>
-          <p:nvPr/>
-        </p:nvSpPr>
-        <p:spPr>
-          <a:xfrm>
-            <a:off x="14398485" y="8447313"/>
-            <a:ext cx="327660" cy="369570"/>
-          </a:xfrm>
-          <a:custGeom>
-            <a:avLst/>
-            <a:gdLst/>
-            <a:ahLst/>
-            <a:cxnLst/>
-            <a:rect l="l" t="t" r="r" b="b"/>
-            <a:pathLst>
-              <a:path w="327659" h="369570">
-                <a:moveTo>
-                  <a:pt x="184899" y="0"/>
-                </a:moveTo>
-                <a:lnTo>
-                  <a:pt x="138255" y="5394"/>
-                </a:lnTo>
-                <a:lnTo>
-                  <a:pt x="96929" y="20705"/>
-                </a:lnTo>
-                <a:lnTo>
-                  <a:pt x="61792" y="44618"/>
-                </a:lnTo>
-                <a:lnTo>
-                  <a:pt x="33716" y="75821"/>
-                </a:lnTo>
-                <a:lnTo>
-                  <a:pt x="13574" y="113003"/>
-                </a:lnTo>
-                <a:lnTo>
-                  <a:pt x="2236" y="154851"/>
-                </a:lnTo>
-                <a:lnTo>
-                  <a:pt x="0" y="184694"/>
-                </a:lnTo>
-                <a:lnTo>
-                  <a:pt x="0" y="185715"/>
-                </a:lnTo>
-                <a:lnTo>
-                  <a:pt x="5088" y="230214"/>
-                </a:lnTo>
-                <a:lnTo>
-                  <a:pt x="19777" y="270609"/>
-                </a:lnTo>
-                <a:lnTo>
-                  <a:pt x="43206" y="305690"/>
-                </a:lnTo>
-                <a:lnTo>
-                  <a:pt x="74513" y="334244"/>
-                </a:lnTo>
-                <a:lnTo>
-                  <a:pt x="112835" y="355061"/>
-                </a:lnTo>
-                <a:lnTo>
-                  <a:pt x="157310" y="366929"/>
-                </a:lnTo>
-                <a:lnTo>
-                  <a:pt x="189954" y="369271"/>
-                </a:lnTo>
-                <a:lnTo>
-                  <a:pt x="205335" y="368346"/>
-                </a:lnTo>
-                <a:lnTo>
-                  <a:pt x="246010" y="360316"/>
-                </a:lnTo>
-                <a:lnTo>
-                  <a:pt x="290216" y="338460"/>
-                </a:lnTo>
-                <a:lnTo>
-                  <a:pt x="327253" y="305611"/>
-                </a:lnTo>
-                <a:lnTo>
-                  <a:pt x="317268" y="295924"/>
-                </a:lnTo>
-                <a:lnTo>
-                  <a:pt x="169779" y="295924"/>
-                </a:lnTo>
-                <a:lnTo>
-                  <a:pt x="155822" y="292920"/>
-                </a:lnTo>
-                <a:lnTo>
-                  <a:pt x="119938" y="273388"/>
-                </a:lnTo>
-                <a:lnTo>
-                  <a:pt x="94741" y="241061"/>
-                </a:lnTo>
-                <a:lnTo>
-                  <a:pt x="82423" y="199780"/>
-                </a:lnTo>
-                <a:lnTo>
-                  <a:pt x="81559" y="184694"/>
-                </a:lnTo>
-                <a:lnTo>
-                  <a:pt x="81805" y="175702"/>
-                </a:lnTo>
-                <a:lnTo>
-                  <a:pt x="91540" y="135308"/>
-                </a:lnTo>
-                <a:lnTo>
-                  <a:pt x="114535" y="102571"/>
-                </a:lnTo>
-                <a:lnTo>
-                  <a:pt x="149521" y="80709"/>
-                </a:lnTo>
-                <a:lnTo>
-                  <a:pt x="195228" y="72942"/>
-                </a:lnTo>
-                <a:lnTo>
-                  <a:pt x="301395" y="72942"/>
-                </a:lnTo>
-                <a:lnTo>
-                  <a:pt x="317647" y="48362"/>
-                </a:lnTo>
-                <a:lnTo>
-                  <a:pt x="279474" y="21033"/>
-                </a:lnTo>
-                <a:lnTo>
-                  <a:pt x="230902" y="4129"/>
-                </a:lnTo>
-                <a:lnTo>
-                  <a:pt x="201288" y="473"/>
-                </a:lnTo>
-                <a:lnTo>
-                  <a:pt x="184899" y="0"/>
-                </a:lnTo>
-                <a:close/>
-              </a:path>
-              <a:path w="327659" h="369570">
-                <a:moveTo>
-                  <a:pt x="276363" y="256239"/>
-                </a:moveTo>
-                <a:lnTo>
-                  <a:pt x="238536" y="283345"/>
-                </a:lnTo>
-                <a:lnTo>
-                  <a:pt x="201981" y="294182"/>
-                </a:lnTo>
-                <a:lnTo>
-                  <a:pt x="169779" y="295924"/>
-                </a:lnTo>
-                <a:lnTo>
-                  <a:pt x="317268" y="295924"/>
-                </a:lnTo>
-                <a:lnTo>
-                  <a:pt x="276363" y="256239"/>
-                </a:lnTo>
-                <a:close/>
-              </a:path>
-              <a:path w="327659" h="369570">
-                <a:moveTo>
-                  <a:pt x="301395" y="72942"/>
-                </a:moveTo>
-                <a:lnTo>
-                  <a:pt x="195228" y="72942"/>
-                </a:lnTo>
-                <a:lnTo>
-                  <a:pt x="207942" y="74854"/>
-                </a:lnTo>
-                <a:lnTo>
-                  <a:pt x="220072" y="78142"/>
-                </a:lnTo>
-                <a:lnTo>
-                  <a:pt x="264526" y="103645"/>
-                </a:lnTo>
-                <a:lnTo>
-                  <a:pt x="275069" y="112756"/>
-                </a:lnTo>
-                <a:lnTo>
-                  <a:pt x="301395" y="72942"/>
-                </a:lnTo>
-                <a:close/>
-              </a:path>
-            </a:pathLst>
-          </a:custGeom>
-          <a:solidFill>
-            <a:srgbClr val="495362"/>
-          </a:solidFill>
-        </p:spPr>
-        <p:txBody>
-          <a:bodyPr wrap="square" lIns="0" tIns="0" rIns="0" bIns="0" rtlCol="0"/>
-          <a:lstStyle/>
-          <a:p>
-            <a:endParaRPr/>
-          </a:p>
-        </p:txBody>
-      </p:sp>
-      <p:sp>
-        <p:nvSpPr>
-          <p:cNvPr id="85" name="object 85"/>
-          <p:cNvSpPr/>
-          <p:nvPr/>
-        </p:nvSpPr>
-        <p:spPr>
-          <a:xfrm>
-            <a:off x="14788044" y="8667750"/>
-            <a:ext cx="78105" cy="142240"/>
-          </a:xfrm>
-          <a:custGeom>
-            <a:avLst/>
-            <a:gdLst/>
-            <a:ahLst/>
-            <a:cxnLst/>
-            <a:rect l="l" t="t" r="r" b="b"/>
-            <a:pathLst>
-              <a:path w="78105" h="142240">
-                <a:moveTo>
-                  <a:pt x="0" y="142240"/>
-                </a:moveTo>
-                <a:lnTo>
-                  <a:pt x="78016" y="142240"/>
-                </a:lnTo>
-                <a:lnTo>
-                  <a:pt x="78016" y="0"/>
-                </a:lnTo>
-                <a:lnTo>
-                  <a:pt x="0" y="0"/>
-                </a:lnTo>
-                <a:lnTo>
-                  <a:pt x="0" y="142240"/>
-                </a:lnTo>
-                <a:close/>
-              </a:path>
-            </a:pathLst>
-          </a:custGeom>
-          <a:solidFill>
-            <a:srgbClr val="495362"/>
-          </a:solidFill>
-        </p:spPr>
-        <p:txBody>
-          <a:bodyPr wrap="square" lIns="0" tIns="0" rIns="0" bIns="0" rtlCol="0"/>
-          <a:lstStyle/>
-          <a:p>
-            <a:endParaRPr/>
-          </a:p>
-        </p:txBody>
-      </p:sp>
-      <p:sp>
-        <p:nvSpPr>
-          <p:cNvPr id="86" name="object 86"/>
-          <p:cNvSpPr/>
-          <p:nvPr/>
-        </p:nvSpPr>
-        <p:spPr>
-          <a:xfrm>
-            <a:off x="14788044" y="8595359"/>
-            <a:ext cx="300355" cy="72390"/>
-          </a:xfrm>
-          <a:custGeom>
-            <a:avLst/>
-            <a:gdLst/>
-            <a:ahLst/>
-            <a:cxnLst/>
-            <a:rect l="l" t="t" r="r" b="b"/>
-            <a:pathLst>
-              <a:path w="300355" h="72390">
-                <a:moveTo>
-                  <a:pt x="0" y="72390"/>
-                </a:moveTo>
-                <a:lnTo>
-                  <a:pt x="299910" y="72390"/>
-                </a:lnTo>
-                <a:lnTo>
-                  <a:pt x="299910" y="0"/>
-                </a:lnTo>
-                <a:lnTo>
-                  <a:pt x="0" y="0"/>
-                </a:lnTo>
-                <a:lnTo>
-                  <a:pt x="0" y="72390"/>
-                </a:lnTo>
-                <a:close/>
-              </a:path>
-            </a:pathLst>
-          </a:custGeom>
-          <a:solidFill>
-            <a:srgbClr val="495362"/>
-          </a:solidFill>
-        </p:spPr>
-        <p:txBody>
-          <a:bodyPr wrap="square" lIns="0" tIns="0" rIns="0" bIns="0" rtlCol="0"/>
-          <a:lstStyle/>
-          <a:p>
-            <a:endParaRPr/>
-          </a:p>
-        </p:txBody>
-      </p:sp>
-      <p:sp>
-        <p:nvSpPr>
-          <p:cNvPr id="87" name="object 87"/>
-          <p:cNvSpPr/>
-          <p:nvPr/>
-        </p:nvSpPr>
-        <p:spPr>
-          <a:xfrm>
-            <a:off x="14788044" y="8453119"/>
-            <a:ext cx="78105" cy="142240"/>
-          </a:xfrm>
-          <a:custGeom>
-            <a:avLst/>
-            <a:gdLst/>
-            <a:ahLst/>
-            <a:cxnLst/>
-            <a:rect l="l" t="t" r="r" b="b"/>
-            <a:pathLst>
-              <a:path w="78105" h="142240">
-                <a:moveTo>
-                  <a:pt x="0" y="142239"/>
-                </a:moveTo>
-                <a:lnTo>
-                  <a:pt x="78016" y="142239"/>
-                </a:lnTo>
-                <a:lnTo>
-                  <a:pt x="78016" y="0"/>
-                </a:lnTo>
-                <a:lnTo>
-                  <a:pt x="0" y="0"/>
-                </a:lnTo>
-                <a:lnTo>
-                  <a:pt x="0" y="142239"/>
-                </a:lnTo>
-                <a:close/>
-              </a:path>
-            </a:pathLst>
-          </a:custGeom>
-          <a:solidFill>
-            <a:srgbClr val="495362"/>
-          </a:solidFill>
-        </p:spPr>
-        <p:txBody>
-          <a:bodyPr wrap="square" lIns="0" tIns="0" rIns="0" bIns="0" rtlCol="0"/>
-          <a:lstStyle/>
-          <a:p>
-            <a:endParaRPr/>
-          </a:p>
-        </p:txBody>
-      </p:sp>
-      <p:sp>
-        <p:nvSpPr>
-          <p:cNvPr id="88" name="object 88"/>
-          <p:cNvSpPr/>
-          <p:nvPr/>
-        </p:nvSpPr>
-        <p:spPr>
-          <a:xfrm>
-            <a:off x="15009939" y="8667210"/>
-            <a:ext cx="78105" cy="143510"/>
-          </a:xfrm>
-          <a:custGeom>
-            <a:avLst/>
-            <a:gdLst/>
-            <a:ahLst/>
-            <a:cxnLst/>
-            <a:rect l="l" t="t" r="r" b="b"/>
-            <a:pathLst>
-              <a:path w="78105" h="143509">
-                <a:moveTo>
-                  <a:pt x="78016" y="0"/>
-                </a:moveTo>
-                <a:lnTo>
-                  <a:pt x="0" y="0"/>
-                </a:lnTo>
-                <a:lnTo>
-                  <a:pt x="0" y="143368"/>
-                </a:lnTo>
-                <a:lnTo>
-                  <a:pt x="78016" y="143368"/>
-                </a:lnTo>
-                <a:lnTo>
-                  <a:pt x="78016" y="0"/>
-                </a:lnTo>
-                <a:close/>
-              </a:path>
-            </a:pathLst>
-          </a:custGeom>
-          <a:solidFill>
-            <a:srgbClr val="495362"/>
-          </a:solidFill>
-        </p:spPr>
-        <p:txBody>
-          <a:bodyPr wrap="square" lIns="0" tIns="0" rIns="0" bIns="0" rtlCol="0"/>
-          <a:lstStyle/>
-          <a:p>
-            <a:endParaRPr/>
-          </a:p>
-        </p:txBody>
-      </p:sp>
-      <p:sp>
-        <p:nvSpPr>
-          <p:cNvPr id="89" name="object 89"/>
-          <p:cNvSpPr/>
-          <p:nvPr/>
-        </p:nvSpPr>
-        <p:spPr>
-          <a:xfrm>
-            <a:off x="15009939" y="8453438"/>
-            <a:ext cx="78105" cy="141605"/>
-          </a:xfrm>
-          <a:custGeom>
-            <a:avLst/>
-            <a:gdLst/>
-            <a:ahLst/>
-            <a:cxnLst/>
-            <a:rect l="l" t="t" r="r" b="b"/>
-            <a:pathLst>
-              <a:path w="78105" h="141604">
-                <a:moveTo>
-                  <a:pt x="78016" y="0"/>
-                </a:moveTo>
-                <a:lnTo>
-                  <a:pt x="0" y="0"/>
-                </a:lnTo>
-                <a:lnTo>
-                  <a:pt x="0" y="141326"/>
-                </a:lnTo>
-                <a:lnTo>
-                  <a:pt x="78016" y="141326"/>
-                </a:lnTo>
-                <a:lnTo>
-                  <a:pt x="78016" y="0"/>
-                </a:lnTo>
-                <a:close/>
-              </a:path>
-            </a:pathLst>
-          </a:custGeom>
-          <a:solidFill>
-            <a:srgbClr val="495362"/>
-          </a:solidFill>
-        </p:spPr>
-        <p:txBody>
-          <a:bodyPr wrap="square" lIns="0" tIns="0" rIns="0" bIns="0" rtlCol="0"/>
-          <a:lstStyle/>
-          <a:p>
-            <a:endParaRPr/>
-          </a:p>
-        </p:txBody>
-      </p:sp>
-      <p:sp>
-        <p:nvSpPr>
-          <p:cNvPr id="90" name="object 90"/>
-          <p:cNvSpPr/>
-          <p:nvPr/>
-        </p:nvSpPr>
-        <p:spPr>
-          <a:xfrm>
-            <a:off x="15183192" y="8740140"/>
-            <a:ext cx="270510" cy="69850"/>
-          </a:xfrm>
-          <a:custGeom>
-            <a:avLst/>
-            <a:gdLst/>
-            <a:ahLst/>
-            <a:cxnLst/>
-            <a:rect l="l" t="t" r="r" b="b"/>
-            <a:pathLst>
-              <a:path w="270509" h="69850">
-                <a:moveTo>
-                  <a:pt x="0" y="69849"/>
-                </a:moveTo>
-                <a:lnTo>
-                  <a:pt x="270014" y="69849"/>
-                </a:lnTo>
-                <a:lnTo>
-                  <a:pt x="270014" y="0"/>
-                </a:lnTo>
-                <a:lnTo>
-                  <a:pt x="0" y="0"/>
-                </a:lnTo>
-                <a:lnTo>
-                  <a:pt x="0" y="69849"/>
-                </a:lnTo>
-                <a:close/>
-              </a:path>
-            </a:pathLst>
-          </a:custGeom>
-          <a:solidFill>
-            <a:srgbClr val="495362"/>
-          </a:solidFill>
-        </p:spPr>
-        <p:txBody>
-          <a:bodyPr wrap="square" lIns="0" tIns="0" rIns="0" bIns="0" rtlCol="0"/>
-          <a:lstStyle/>
-          <a:p>
-            <a:endParaRPr/>
-          </a:p>
-        </p:txBody>
-      </p:sp>
-      <p:sp>
-        <p:nvSpPr>
-          <p:cNvPr id="91" name="object 91"/>
-          <p:cNvSpPr/>
-          <p:nvPr/>
-        </p:nvSpPr>
-        <p:spPr>
-          <a:xfrm>
-            <a:off x="15183192" y="8665209"/>
-            <a:ext cx="78105" cy="74930"/>
-          </a:xfrm>
-          <a:custGeom>
-            <a:avLst/>
-            <a:gdLst/>
-            <a:ahLst/>
-            <a:cxnLst/>
-            <a:rect l="l" t="t" r="r" b="b"/>
-            <a:pathLst>
-              <a:path w="78105" h="74929">
-                <a:moveTo>
-                  <a:pt x="0" y="74930"/>
-                </a:moveTo>
-                <a:lnTo>
-                  <a:pt x="77508" y="74930"/>
-                </a:lnTo>
-                <a:lnTo>
-                  <a:pt x="77508" y="0"/>
-                </a:lnTo>
-                <a:lnTo>
-                  <a:pt x="0" y="0"/>
-                </a:lnTo>
-                <a:lnTo>
-                  <a:pt x="0" y="74930"/>
-                </a:lnTo>
-                <a:close/>
-              </a:path>
-            </a:pathLst>
-          </a:custGeom>
-          <a:solidFill>
-            <a:srgbClr val="495362"/>
-          </a:solidFill>
-        </p:spPr>
-        <p:txBody>
-          <a:bodyPr wrap="square" lIns="0" tIns="0" rIns="0" bIns="0" rtlCol="0"/>
-          <a:lstStyle/>
-          <a:p>
-            <a:endParaRPr/>
-          </a:p>
-        </p:txBody>
-      </p:sp>
-      <p:sp>
-        <p:nvSpPr>
-          <p:cNvPr id="92" name="object 92"/>
-          <p:cNvSpPr/>
-          <p:nvPr/>
-        </p:nvSpPr>
-        <p:spPr>
-          <a:xfrm>
-            <a:off x="15183192" y="8595359"/>
-            <a:ext cx="245110" cy="69850"/>
-          </a:xfrm>
-          <a:custGeom>
-            <a:avLst/>
-            <a:gdLst/>
-            <a:ahLst/>
-            <a:cxnLst/>
-            <a:rect l="l" t="t" r="r" b="b"/>
-            <a:pathLst>
-              <a:path w="245109" h="69850">
-                <a:moveTo>
-                  <a:pt x="0" y="69850"/>
-                </a:moveTo>
-                <a:lnTo>
-                  <a:pt x="244678" y="69850"/>
-                </a:lnTo>
-                <a:lnTo>
-                  <a:pt x="244678" y="0"/>
-                </a:lnTo>
-                <a:lnTo>
-                  <a:pt x="0" y="0"/>
-                </a:lnTo>
-                <a:lnTo>
-                  <a:pt x="0" y="69850"/>
-                </a:lnTo>
-                <a:close/>
-              </a:path>
-            </a:pathLst>
-          </a:custGeom>
-          <a:solidFill>
-            <a:srgbClr val="495362"/>
-          </a:solidFill>
-        </p:spPr>
-        <p:txBody>
-          <a:bodyPr wrap="square" lIns="0" tIns="0" rIns="0" bIns="0" rtlCol="0"/>
-          <a:lstStyle/>
-          <a:p>
-            <a:endParaRPr/>
-          </a:p>
-        </p:txBody>
-      </p:sp>
-      <p:sp>
-        <p:nvSpPr>
-          <p:cNvPr id="93" name="object 93"/>
-          <p:cNvSpPr/>
-          <p:nvPr/>
-        </p:nvSpPr>
-        <p:spPr>
-          <a:xfrm>
-            <a:off x="15183192" y="8522969"/>
-            <a:ext cx="78105" cy="72390"/>
-          </a:xfrm>
-          <a:custGeom>
-            <a:avLst/>
-            <a:gdLst/>
-            <a:ahLst/>
-            <a:cxnLst/>
-            <a:rect l="l" t="t" r="r" b="b"/>
-            <a:pathLst>
-              <a:path w="78105" h="72390">
-                <a:moveTo>
-                  <a:pt x="0" y="72389"/>
-                </a:moveTo>
-                <a:lnTo>
-                  <a:pt x="77508" y="72389"/>
-                </a:lnTo>
-                <a:lnTo>
-                  <a:pt x="77508" y="0"/>
-                </a:lnTo>
-                <a:lnTo>
-                  <a:pt x="0" y="0"/>
-                </a:lnTo>
-                <a:lnTo>
-                  <a:pt x="0" y="72389"/>
-                </a:lnTo>
-                <a:close/>
-              </a:path>
-            </a:pathLst>
-          </a:custGeom>
-          <a:solidFill>
-            <a:srgbClr val="495362"/>
-          </a:solidFill>
-        </p:spPr>
-        <p:txBody>
-          <a:bodyPr wrap="square" lIns="0" tIns="0" rIns="0" bIns="0" rtlCol="0"/>
-          <a:lstStyle/>
-          <a:p>
-            <a:endParaRPr/>
-          </a:p>
-        </p:txBody>
-      </p:sp>
-      <p:sp>
-        <p:nvSpPr>
-          <p:cNvPr id="94" name="object 94"/>
-          <p:cNvSpPr/>
-          <p:nvPr/>
-        </p:nvSpPr>
-        <p:spPr>
-          <a:xfrm>
-            <a:off x="15183192" y="8453119"/>
-            <a:ext cx="267970" cy="69850"/>
-          </a:xfrm>
-          <a:custGeom>
-            <a:avLst/>
-            <a:gdLst/>
-            <a:ahLst/>
-            <a:cxnLst/>
-            <a:rect l="l" t="t" r="r" b="b"/>
-            <a:pathLst>
-              <a:path w="267969" h="69850">
-                <a:moveTo>
-                  <a:pt x="0" y="69849"/>
-                </a:moveTo>
-                <a:lnTo>
-                  <a:pt x="267487" y="69849"/>
-                </a:lnTo>
-                <a:lnTo>
-                  <a:pt x="267487" y="0"/>
-                </a:lnTo>
-                <a:lnTo>
-                  <a:pt x="0" y="0"/>
-                </a:lnTo>
-                <a:lnTo>
-                  <a:pt x="0" y="69849"/>
-                </a:lnTo>
-                <a:close/>
-              </a:path>
-            </a:pathLst>
-          </a:custGeom>
-          <a:solidFill>
-            <a:srgbClr val="495362"/>
-          </a:solidFill>
-        </p:spPr>
-        <p:txBody>
-          <a:bodyPr wrap="square" lIns="0" tIns="0" rIns="0" bIns="0" rtlCol="0"/>
-          <a:lstStyle/>
-          <a:p>
-            <a:endParaRPr/>
-          </a:p>
-        </p:txBody>
-      </p:sp>
-      <p:sp>
-        <p:nvSpPr>
-          <p:cNvPr id="95" name="object 95"/>
-          <p:cNvSpPr/>
-          <p:nvPr/>
-        </p:nvSpPr>
-        <p:spPr>
-          <a:xfrm>
-            <a:off x="15532748" y="8672830"/>
-            <a:ext cx="78105" cy="137160"/>
-          </a:xfrm>
-          <a:custGeom>
-            <a:avLst/>
-            <a:gdLst/>
-            <a:ahLst/>
-            <a:cxnLst/>
-            <a:rect l="l" t="t" r="r" b="b"/>
-            <a:pathLst>
-              <a:path w="78105" h="137159">
-                <a:moveTo>
-                  <a:pt x="0" y="137160"/>
-                </a:moveTo>
-                <a:lnTo>
-                  <a:pt x="78016" y="137160"/>
-                </a:lnTo>
-                <a:lnTo>
-                  <a:pt x="78016" y="0"/>
-                </a:lnTo>
-                <a:lnTo>
-                  <a:pt x="0" y="0"/>
-                </a:lnTo>
-                <a:lnTo>
-                  <a:pt x="0" y="137160"/>
-                </a:lnTo>
-                <a:close/>
-              </a:path>
-            </a:pathLst>
-          </a:custGeom>
-          <a:solidFill>
-            <a:srgbClr val="495362"/>
-          </a:solidFill>
-        </p:spPr>
-        <p:txBody>
-          <a:bodyPr wrap="square" lIns="0" tIns="0" rIns="0" bIns="0" rtlCol="0"/>
-          <a:lstStyle/>
-          <a:p>
-            <a:endParaRPr/>
-          </a:p>
-        </p:txBody>
-      </p:sp>
-      <p:sp>
-        <p:nvSpPr>
-          <p:cNvPr id="96" name="object 96"/>
-          <p:cNvSpPr/>
-          <p:nvPr/>
-        </p:nvSpPr>
-        <p:spPr>
-          <a:xfrm>
-            <a:off x="15532748" y="8600440"/>
-            <a:ext cx="247650" cy="72390"/>
-          </a:xfrm>
-          <a:custGeom>
-            <a:avLst/>
-            <a:gdLst/>
-            <a:ahLst/>
-            <a:cxnLst/>
-            <a:rect l="l" t="t" r="r" b="b"/>
-            <a:pathLst>
-              <a:path w="247650" h="72390">
-                <a:moveTo>
-                  <a:pt x="0" y="72389"/>
-                </a:moveTo>
-                <a:lnTo>
-                  <a:pt x="247218" y="72389"/>
-                </a:lnTo>
-                <a:lnTo>
-                  <a:pt x="247218" y="0"/>
-                </a:lnTo>
-                <a:lnTo>
-                  <a:pt x="0" y="0"/>
-                </a:lnTo>
-                <a:lnTo>
-                  <a:pt x="0" y="72389"/>
-                </a:lnTo>
-                <a:close/>
-              </a:path>
-            </a:pathLst>
-          </a:custGeom>
-          <a:solidFill>
-            <a:srgbClr val="495362"/>
-          </a:solidFill>
-        </p:spPr>
-        <p:txBody>
-          <a:bodyPr wrap="square" lIns="0" tIns="0" rIns="0" bIns="0" rtlCol="0"/>
-          <a:lstStyle/>
-          <a:p>
-            <a:endParaRPr/>
-          </a:p>
-        </p:txBody>
-      </p:sp>
-      <p:sp>
-        <p:nvSpPr>
-          <p:cNvPr id="97" name="object 97"/>
-          <p:cNvSpPr/>
-          <p:nvPr/>
-        </p:nvSpPr>
-        <p:spPr>
-          <a:xfrm>
-            <a:off x="15532748" y="8524240"/>
-            <a:ext cx="78105" cy="76200"/>
-          </a:xfrm>
-          <a:custGeom>
-            <a:avLst/>
-            <a:gdLst/>
-            <a:ahLst/>
-            <a:cxnLst/>
-            <a:rect l="l" t="t" r="r" b="b"/>
-            <a:pathLst>
-              <a:path w="78105" h="76200">
-                <a:moveTo>
-                  <a:pt x="0" y="76199"/>
-                </a:moveTo>
-                <a:lnTo>
-                  <a:pt x="78016" y="76199"/>
-                </a:lnTo>
-                <a:lnTo>
-                  <a:pt x="78016" y="0"/>
-                </a:lnTo>
-                <a:lnTo>
-                  <a:pt x="0" y="0"/>
-                </a:lnTo>
-                <a:lnTo>
-                  <a:pt x="0" y="76199"/>
-                </a:lnTo>
-                <a:close/>
-              </a:path>
-            </a:pathLst>
-          </a:custGeom>
-          <a:solidFill>
-            <a:srgbClr val="495362"/>
-          </a:solidFill>
-        </p:spPr>
-        <p:txBody>
-          <a:bodyPr wrap="square" lIns="0" tIns="0" rIns="0" bIns="0" rtlCol="0"/>
-          <a:lstStyle/>
-          <a:p>
-            <a:endParaRPr/>
-          </a:p>
-        </p:txBody>
-      </p:sp>
-      <p:sp>
-        <p:nvSpPr>
-          <p:cNvPr id="98" name="object 98"/>
-          <p:cNvSpPr/>
-          <p:nvPr/>
-        </p:nvSpPr>
-        <p:spPr>
-          <a:xfrm>
-            <a:off x="15532748" y="8453119"/>
-            <a:ext cx="270510" cy="71120"/>
-          </a:xfrm>
-          <a:custGeom>
-            <a:avLst/>
-            <a:gdLst/>
-            <a:ahLst/>
-            <a:cxnLst/>
-            <a:rect l="l" t="t" r="r" b="b"/>
-            <a:pathLst>
-              <a:path w="270509" h="71120">
-                <a:moveTo>
-                  <a:pt x="0" y="71119"/>
-                </a:moveTo>
-                <a:lnTo>
-                  <a:pt x="270014" y="71119"/>
-                </a:lnTo>
-                <a:lnTo>
-                  <a:pt x="270014" y="0"/>
-                </a:lnTo>
-                <a:lnTo>
-                  <a:pt x="0" y="0"/>
-                </a:lnTo>
-                <a:lnTo>
-                  <a:pt x="0" y="71119"/>
-                </a:lnTo>
-                <a:close/>
-              </a:path>
-            </a:pathLst>
-          </a:custGeom>
-          <a:solidFill>
-            <a:srgbClr val="495362"/>
-          </a:solidFill>
-        </p:spPr>
-        <p:txBody>
-          <a:bodyPr wrap="square" lIns="0" tIns="0" rIns="0" bIns="0" rtlCol="0"/>
-          <a:lstStyle/>
-          <a:p>
-            <a:endParaRPr/>
-          </a:p>
-        </p:txBody>
-      </p:sp>
-      <p:sp>
-        <p:nvSpPr>
-          <p:cNvPr id="99" name="object 99"/>
-          <p:cNvSpPr/>
-          <p:nvPr/>
-        </p:nvSpPr>
-        <p:spPr>
-          <a:xfrm>
-            <a:off x="13966710" y="8494128"/>
-            <a:ext cx="276225" cy="280035"/>
-          </a:xfrm>
-          <a:custGeom>
-            <a:avLst/>
-            <a:gdLst/>
-            <a:ahLst/>
-            <a:cxnLst/>
-            <a:rect l="l" t="t" r="r" b="b"/>
-            <a:pathLst>
-              <a:path w="276225" h="280034">
-                <a:moveTo>
-                  <a:pt x="152110" y="0"/>
-                </a:moveTo>
-                <a:lnTo>
-                  <a:pt x="105646" y="5799"/>
-                </a:lnTo>
-                <a:lnTo>
-                  <a:pt x="66006" y="22637"/>
-                </a:lnTo>
-                <a:lnTo>
-                  <a:pt x="34501" y="48686"/>
-                </a:lnTo>
-                <a:lnTo>
-                  <a:pt x="12444" y="82120"/>
-                </a:lnTo>
-                <a:lnTo>
-                  <a:pt x="1147" y="121110"/>
-                </a:lnTo>
-                <a:lnTo>
-                  <a:pt x="0" y="135026"/>
-                </a:lnTo>
-                <a:lnTo>
-                  <a:pt x="722" y="150328"/>
-                </a:lnTo>
-                <a:lnTo>
-                  <a:pt x="11171" y="192891"/>
-                </a:lnTo>
-                <a:lnTo>
-                  <a:pt x="32413" y="228831"/>
-                </a:lnTo>
-                <a:lnTo>
-                  <a:pt x="62565" y="256547"/>
-                </a:lnTo>
-                <a:lnTo>
-                  <a:pt x="99632" y="274186"/>
-                </a:lnTo>
-                <a:lnTo>
-                  <a:pt x="127211" y="279465"/>
-                </a:lnTo>
-                <a:lnTo>
-                  <a:pt x="143082" y="278902"/>
-                </a:lnTo>
-                <a:lnTo>
-                  <a:pt x="186468" y="269697"/>
-                </a:lnTo>
-                <a:lnTo>
-                  <a:pt x="222704" y="250534"/>
-                </a:lnTo>
-                <a:lnTo>
-                  <a:pt x="233573" y="241678"/>
-                </a:lnTo>
-                <a:lnTo>
-                  <a:pt x="139217" y="241678"/>
-                </a:lnTo>
-                <a:lnTo>
-                  <a:pt x="124681" y="240631"/>
-                </a:lnTo>
-                <a:lnTo>
-                  <a:pt x="85454" y="226087"/>
-                </a:lnTo>
-                <a:lnTo>
-                  <a:pt x="55839" y="197508"/>
-                </a:lnTo>
-                <a:lnTo>
-                  <a:pt x="39748" y="158834"/>
-                </a:lnTo>
-                <a:lnTo>
-                  <a:pt x="38065" y="144381"/>
-                </a:lnTo>
-                <a:lnTo>
-                  <a:pt x="39033" y="128966"/>
-                </a:lnTo>
-                <a:lnTo>
-                  <a:pt x="52788" y="87969"/>
-                </a:lnTo>
-                <a:lnTo>
-                  <a:pt x="79980" y="57321"/>
-                </a:lnTo>
-                <a:lnTo>
-                  <a:pt x="116954" y="40206"/>
-                </a:lnTo>
-                <a:lnTo>
-                  <a:pt x="130821" y="38059"/>
-                </a:lnTo>
-                <a:lnTo>
-                  <a:pt x="234975" y="38059"/>
-                </a:lnTo>
-                <a:lnTo>
-                  <a:pt x="227219" y="31025"/>
-                </a:lnTo>
-                <a:lnTo>
-                  <a:pt x="192460" y="10056"/>
-                </a:lnTo>
-                <a:lnTo>
-                  <a:pt x="166061" y="2018"/>
-                </a:lnTo>
-                <a:lnTo>
-                  <a:pt x="152110" y="0"/>
-                </a:lnTo>
-                <a:close/>
-              </a:path>
-              <a:path w="276225" h="280034">
-                <a:moveTo>
-                  <a:pt x="236474" y="167999"/>
-                </a:moveTo>
-                <a:lnTo>
-                  <a:pt x="217811" y="203897"/>
-                </a:lnTo>
-                <a:lnTo>
-                  <a:pt x="187080" y="229543"/>
-                </a:lnTo>
-                <a:lnTo>
-                  <a:pt x="147868" y="241310"/>
-                </a:lnTo>
-                <a:lnTo>
-                  <a:pt x="139217" y="241678"/>
-                </a:lnTo>
-                <a:lnTo>
-                  <a:pt x="233573" y="241678"/>
-                </a:lnTo>
-                <a:lnTo>
-                  <a:pt x="258104" y="212418"/>
-                </a:lnTo>
-                <a:lnTo>
-                  <a:pt x="273622" y="176603"/>
-                </a:lnTo>
-                <a:lnTo>
-                  <a:pt x="236474" y="167999"/>
-                </a:lnTo>
-                <a:close/>
-              </a:path>
-              <a:path w="276225" h="280034">
-                <a:moveTo>
-                  <a:pt x="234975" y="38059"/>
-                </a:moveTo>
-                <a:lnTo>
-                  <a:pt x="130821" y="38059"/>
-                </a:lnTo>
-                <a:lnTo>
-                  <a:pt x="146450" y="38854"/>
-                </a:lnTo>
-                <a:lnTo>
-                  <a:pt x="161113" y="41366"/>
-                </a:lnTo>
-                <a:lnTo>
-                  <a:pt x="198655" y="58051"/>
-                </a:lnTo>
-                <a:lnTo>
-                  <a:pt x="225180" y="86031"/>
-                </a:lnTo>
-                <a:lnTo>
-                  <a:pt x="235885" y="109417"/>
-                </a:lnTo>
-                <a:lnTo>
-                  <a:pt x="275666" y="111391"/>
-                </a:lnTo>
-                <a:lnTo>
-                  <a:pt x="261509" y="72575"/>
-                </a:lnTo>
-                <a:lnTo>
-                  <a:pt x="237227" y="40101"/>
-                </a:lnTo>
-                <a:lnTo>
-                  <a:pt x="234975" y="38059"/>
-                </a:lnTo>
-                <a:close/>
-              </a:path>
-            </a:pathLst>
-          </a:custGeom>
-          <a:solidFill>
-            <a:srgbClr val="495362"/>
-          </a:solidFill>
-        </p:spPr>
-        <p:txBody>
-          <a:bodyPr wrap="square" lIns="0" tIns="0" rIns="0" bIns="0" rtlCol="0"/>
-          <a:lstStyle/>
-          <a:p>
-            <a:endParaRPr/>
-          </a:p>
-        </p:txBody>
-      </p:sp>
-      <p:sp>
-        <p:nvSpPr>
-          <p:cNvPr id="100" name="object 100"/>
-          <p:cNvSpPr/>
-          <p:nvPr/>
-        </p:nvSpPr>
-        <p:spPr>
-          <a:xfrm>
-            <a:off x="14037665" y="8677229"/>
-            <a:ext cx="68580" cy="53340"/>
-          </a:xfrm>
-          <a:custGeom>
-            <a:avLst/>
-            <a:gdLst/>
-            <a:ahLst/>
-            <a:cxnLst/>
-            <a:rect l="l" t="t" r="r" b="b"/>
-            <a:pathLst>
-              <a:path w="68580" h="53340">
-                <a:moveTo>
-                  <a:pt x="32186" y="0"/>
-                </a:moveTo>
-                <a:lnTo>
-                  <a:pt x="0" y="25339"/>
-                </a:lnTo>
-                <a:lnTo>
-                  <a:pt x="9573" y="33795"/>
-                </a:lnTo>
-                <a:lnTo>
-                  <a:pt x="20197" y="40939"/>
-                </a:lnTo>
-                <a:lnTo>
-                  <a:pt x="31744" y="46642"/>
-                </a:lnTo>
-                <a:lnTo>
-                  <a:pt x="44089" y="50776"/>
-                </a:lnTo>
-                <a:lnTo>
-                  <a:pt x="57104" y="53215"/>
-                </a:lnTo>
-                <a:lnTo>
-                  <a:pt x="68262" y="13201"/>
-                </a:lnTo>
-                <a:lnTo>
-                  <a:pt x="54974" y="11610"/>
-                </a:lnTo>
-                <a:lnTo>
-                  <a:pt x="42823" y="7085"/>
-                </a:lnTo>
-                <a:lnTo>
-                  <a:pt x="32186" y="0"/>
-                </a:lnTo>
-                <a:close/>
-              </a:path>
-            </a:pathLst>
-          </a:custGeom>
-          <a:solidFill>
-            <a:srgbClr val="495362"/>
-          </a:solidFill>
-        </p:spPr>
-        <p:txBody>
-          <a:bodyPr wrap="square" lIns="0" tIns="0" rIns="0" bIns="0" rtlCol="0"/>
-          <a:lstStyle/>
-          <a:p>
-            <a:endParaRPr/>
-          </a:p>
-        </p:txBody>
-      </p:sp>
-      <p:sp>
-        <p:nvSpPr>
-          <p:cNvPr id="101" name="object 101"/>
-          <p:cNvSpPr/>
-          <p:nvPr/>
-        </p:nvSpPr>
-        <p:spPr>
-          <a:xfrm>
-            <a:off x="14009344" y="8536556"/>
-            <a:ext cx="97155" cy="135255"/>
-          </a:xfrm>
-          <a:custGeom>
-            <a:avLst/>
-            <a:gdLst/>
-            <a:ahLst/>
-            <a:cxnLst/>
-            <a:rect l="l" t="t" r="r" b="b"/>
-            <a:pathLst>
-              <a:path w="97155" h="135254">
-                <a:moveTo>
-                  <a:pt x="96583" y="0"/>
-                </a:moveTo>
-                <a:lnTo>
-                  <a:pt x="55196" y="9390"/>
-                </a:lnTo>
-                <a:lnTo>
-                  <a:pt x="22711" y="34674"/>
-                </a:lnTo>
-                <a:lnTo>
-                  <a:pt x="3435" y="71517"/>
-                </a:lnTo>
-                <a:lnTo>
-                  <a:pt x="0" y="97267"/>
-                </a:lnTo>
-                <a:lnTo>
-                  <a:pt x="870" y="110303"/>
-                </a:lnTo>
-                <a:lnTo>
-                  <a:pt x="3402" y="122817"/>
-                </a:lnTo>
-                <a:lnTo>
-                  <a:pt x="7472" y="134699"/>
-                </a:lnTo>
-                <a:lnTo>
-                  <a:pt x="45135" y="120051"/>
-                </a:lnTo>
-                <a:lnTo>
-                  <a:pt x="42075" y="113080"/>
-                </a:lnTo>
-                <a:lnTo>
-                  <a:pt x="40373" y="105374"/>
-                </a:lnTo>
-                <a:lnTo>
-                  <a:pt x="40373" y="97267"/>
-                </a:lnTo>
-                <a:lnTo>
-                  <a:pt x="42209" y="82863"/>
-                </a:lnTo>
-                <a:lnTo>
-                  <a:pt x="66009" y="49758"/>
-                </a:lnTo>
-                <a:lnTo>
-                  <a:pt x="92447" y="40809"/>
-                </a:lnTo>
-                <a:lnTo>
-                  <a:pt x="96583" y="0"/>
-                </a:lnTo>
-                <a:close/>
-              </a:path>
-            </a:pathLst>
-          </a:custGeom>
-          <a:solidFill>
-            <a:srgbClr val="F58100"/>
-          </a:solidFill>
-        </p:spPr>
-        <p:txBody>
-          <a:bodyPr wrap="square" lIns="0" tIns="0" rIns="0" bIns="0" rtlCol="0"/>
-          <a:lstStyle/>
-          <a:p>
-            <a:endParaRPr/>
-          </a:p>
-        </p:txBody>
-      </p:sp>
-      <p:sp>
-        <p:nvSpPr>
-          <p:cNvPr id="102" name="object 102"/>
-          <p:cNvSpPr/>
-          <p:nvPr/>
-        </p:nvSpPr>
-        <p:spPr>
-          <a:xfrm>
-            <a:off x="14126298" y="8543180"/>
-            <a:ext cx="72390" cy="62865"/>
-          </a:xfrm>
-          <a:custGeom>
-            <a:avLst/>
-            <a:gdLst/>
-            <a:ahLst/>
-            <a:cxnLst/>
-            <a:rect l="l" t="t" r="r" b="b"/>
-            <a:pathLst>
-              <a:path w="72390" h="62865">
-                <a:moveTo>
-                  <a:pt x="14643" y="0"/>
-                </a:moveTo>
-                <a:lnTo>
-                  <a:pt x="0" y="37906"/>
-                </a:lnTo>
-                <a:lnTo>
-                  <a:pt x="11432" y="44004"/>
-                </a:lnTo>
-                <a:lnTo>
-                  <a:pt x="21114" y="52486"/>
-                </a:lnTo>
-                <a:lnTo>
-                  <a:pt x="72021" y="62340"/>
-                </a:lnTo>
-                <a:lnTo>
-                  <a:pt x="67303" y="49897"/>
-                </a:lnTo>
-                <a:lnTo>
-                  <a:pt x="61006" y="38335"/>
-                </a:lnTo>
-                <a:lnTo>
-                  <a:pt x="53265" y="27791"/>
-                </a:lnTo>
-                <a:lnTo>
-                  <a:pt x="44214" y="18400"/>
-                </a:lnTo>
-                <a:lnTo>
-                  <a:pt x="33989" y="10296"/>
-                </a:lnTo>
-                <a:lnTo>
-                  <a:pt x="22723" y="3617"/>
-                </a:lnTo>
-                <a:lnTo>
-                  <a:pt x="14643" y="0"/>
-                </a:lnTo>
-                <a:close/>
-              </a:path>
-            </a:pathLst>
-          </a:custGeom>
-          <a:solidFill>
-            <a:srgbClr val="495362"/>
-          </a:solidFill>
-        </p:spPr>
-        <p:txBody>
-          <a:bodyPr wrap="square" lIns="0" tIns="0" rIns="0" bIns="0" rtlCol="0"/>
-          <a:lstStyle/>
-          <a:p>
-            <a:endParaRPr/>
-          </a:p>
-        </p:txBody>
-      </p:sp>
-      <p:sp>
-        <p:nvSpPr>
-          <p:cNvPr id="103" name="object 103"/>
-          <p:cNvSpPr/>
-          <p:nvPr/>
-        </p:nvSpPr>
-        <p:spPr>
-          <a:xfrm>
-            <a:off x="14126298" y="8662124"/>
-            <a:ext cx="69215" cy="62865"/>
-          </a:xfrm>
-          <a:custGeom>
-            <a:avLst/>
-            <a:gdLst/>
-            <a:ahLst/>
-            <a:cxnLst/>
-            <a:rect l="l" t="t" r="r" b="b"/>
-            <a:pathLst>
-              <a:path w="69215" h="62865">
-                <a:moveTo>
-                  <a:pt x="28295" y="0"/>
-                </a:moveTo>
-                <a:lnTo>
-                  <a:pt x="20625" y="10388"/>
-                </a:lnTo>
-                <a:lnTo>
-                  <a:pt x="10838" y="18745"/>
-                </a:lnTo>
-                <a:lnTo>
-                  <a:pt x="0" y="24434"/>
-                </a:lnTo>
-                <a:lnTo>
-                  <a:pt x="14643" y="62340"/>
-                </a:lnTo>
-                <a:lnTo>
-                  <a:pt x="47325" y="40989"/>
-                </a:lnTo>
-                <a:lnTo>
-                  <a:pt x="69034" y="8444"/>
-                </a:lnTo>
-                <a:lnTo>
-                  <a:pt x="28295" y="0"/>
-                </a:lnTo>
-                <a:close/>
-              </a:path>
-            </a:pathLst>
-          </a:custGeom>
-          <a:solidFill>
-            <a:srgbClr val="F58100"/>
-          </a:solidFill>
-        </p:spPr>
-        <p:txBody>
-          <a:bodyPr wrap="square" lIns="0" tIns="0" rIns="0" bIns="0" rtlCol="0"/>
-          <a:lstStyle/>
-          <a:p>
-            <a:endParaRPr/>
-          </a:p>
-        </p:txBody>
-      </p:sp>
-      <p:sp>
-        <p:nvSpPr>
-          <p:cNvPr id="104" name="object 104"/>
-          <p:cNvSpPr/>
-          <p:nvPr/>
-        </p:nvSpPr>
-        <p:spPr>
-          <a:xfrm>
-            <a:off x="13881100" y="8633821"/>
-            <a:ext cx="53975" cy="89535"/>
-          </a:xfrm>
-          <a:custGeom>
-            <a:avLst/>
-            <a:gdLst/>
-            <a:ahLst/>
-            <a:cxnLst/>
-            <a:rect l="l" t="t" r="r" b="b"/>
-            <a:pathLst>
-              <a:path w="53975" h="89534">
-                <a:moveTo>
-                  <a:pt x="49749" y="65533"/>
-                </a:moveTo>
-                <a:lnTo>
-                  <a:pt x="9626" y="65533"/>
-                </a:lnTo>
-                <a:lnTo>
-                  <a:pt x="13625" y="77640"/>
-                </a:lnTo>
-                <a:lnTo>
-                  <a:pt x="18265" y="89432"/>
-                </a:lnTo>
-                <a:lnTo>
-                  <a:pt x="53962" y="75682"/>
-                </a:lnTo>
-                <a:lnTo>
-                  <a:pt x="50939" y="68798"/>
-                </a:lnTo>
-                <a:lnTo>
-                  <a:pt x="49749" y="65533"/>
-                </a:lnTo>
-                <a:close/>
-              </a:path>
-              <a:path w="53975" h="89534">
-                <a:moveTo>
-                  <a:pt x="38138" y="0"/>
-                </a:moveTo>
-                <a:lnTo>
-                  <a:pt x="0" y="0"/>
-                </a:lnTo>
-                <a:lnTo>
-                  <a:pt x="353" y="12764"/>
-                </a:lnTo>
-                <a:lnTo>
-                  <a:pt x="6070" y="52312"/>
-                </a:lnTo>
-                <a:lnTo>
-                  <a:pt x="9232" y="64193"/>
-                </a:lnTo>
-                <a:lnTo>
-                  <a:pt x="9601" y="65542"/>
-                </a:lnTo>
-                <a:lnTo>
-                  <a:pt x="49749" y="65533"/>
-                </a:lnTo>
-                <a:lnTo>
-                  <a:pt x="48348" y="61692"/>
-                </a:lnTo>
-                <a:lnTo>
-                  <a:pt x="38722" y="16771"/>
-                </a:lnTo>
-                <a:lnTo>
-                  <a:pt x="38125" y="8441"/>
-                </a:lnTo>
-                <a:lnTo>
-                  <a:pt x="38138" y="0"/>
-                </a:lnTo>
-                <a:close/>
-              </a:path>
-            </a:pathLst>
-          </a:custGeom>
-          <a:solidFill>
-            <a:srgbClr val="495362"/>
-          </a:solidFill>
-        </p:spPr>
-        <p:txBody>
-          <a:bodyPr wrap="square" lIns="0" tIns="0" rIns="0" bIns="0" rtlCol="0"/>
-          <a:lstStyle/>
-          <a:p>
-            <a:endParaRPr/>
-          </a:p>
-        </p:txBody>
-      </p:sp>
-      <p:sp>
-        <p:nvSpPr>
-          <p:cNvPr id="105" name="object 105"/>
-          <p:cNvSpPr/>
-          <p:nvPr/>
-        </p:nvSpPr>
-        <p:spPr>
-          <a:xfrm>
-            <a:off x="13946975" y="8662126"/>
-            <a:ext cx="382270" cy="198120"/>
-          </a:xfrm>
-          <a:custGeom>
-            <a:avLst/>
-            <a:gdLst/>
-            <a:ahLst/>
-            <a:cxnLst/>
-            <a:rect l="l" t="t" r="r" b="b"/>
-            <a:pathLst>
-              <a:path w="382269" h="198120">
-                <a:moveTo>
-                  <a:pt x="29381" y="106898"/>
-                </a:moveTo>
-                <a:lnTo>
-                  <a:pt x="0" y="131777"/>
-                </a:lnTo>
-                <a:lnTo>
-                  <a:pt x="9246" y="140583"/>
-                </a:lnTo>
-                <a:lnTo>
-                  <a:pt x="18976" y="148856"/>
-                </a:lnTo>
-                <a:lnTo>
-                  <a:pt x="50831" y="170245"/>
-                </a:lnTo>
-                <a:lnTo>
-                  <a:pt x="86198" y="185994"/>
-                </a:lnTo>
-                <a:lnTo>
-                  <a:pt x="124456" y="195472"/>
-                </a:lnTo>
-                <a:lnTo>
-                  <a:pt x="151258" y="197993"/>
-                </a:lnTo>
-                <a:lnTo>
-                  <a:pt x="169394" y="197371"/>
-                </a:lnTo>
-                <a:lnTo>
-                  <a:pt x="220908" y="188174"/>
-                </a:lnTo>
-                <a:lnTo>
-                  <a:pt x="267246" y="168946"/>
-                </a:lnTo>
-                <a:lnTo>
-                  <a:pt x="282499" y="159723"/>
-                </a:lnTo>
-                <a:lnTo>
-                  <a:pt x="158953" y="159723"/>
-                </a:lnTo>
-                <a:lnTo>
-                  <a:pt x="145357" y="159229"/>
-                </a:lnTo>
-                <a:lnTo>
-                  <a:pt x="106277" y="152098"/>
-                </a:lnTo>
-                <a:lnTo>
-                  <a:pt x="70465" y="137211"/>
-                </a:lnTo>
-                <a:lnTo>
-                  <a:pt x="38836" y="115495"/>
-                </a:lnTo>
-                <a:lnTo>
-                  <a:pt x="29381" y="106898"/>
-                </a:lnTo>
-                <a:close/>
-              </a:path>
-              <a:path w="382269" h="198120">
-                <a:moveTo>
-                  <a:pt x="382028" y="0"/>
-                </a:moveTo>
-                <a:lnTo>
-                  <a:pt x="343535" y="0"/>
-                </a:lnTo>
-                <a:lnTo>
-                  <a:pt x="340899" y="13918"/>
-                </a:lnTo>
-                <a:lnTo>
-                  <a:pt x="337264" y="27456"/>
-                </a:lnTo>
-                <a:lnTo>
-                  <a:pt x="320777" y="65380"/>
-                </a:lnTo>
-                <a:lnTo>
-                  <a:pt x="296769" y="98406"/>
-                </a:lnTo>
-                <a:lnTo>
-                  <a:pt x="266339" y="125426"/>
-                </a:lnTo>
-                <a:lnTo>
-                  <a:pt x="230586" y="145333"/>
-                </a:lnTo>
-                <a:lnTo>
-                  <a:pt x="190609" y="157019"/>
-                </a:lnTo>
-                <a:lnTo>
-                  <a:pt x="158953" y="159723"/>
-                </a:lnTo>
-                <a:lnTo>
-                  <a:pt x="282499" y="159723"/>
-                </a:lnTo>
-                <a:lnTo>
-                  <a:pt x="319121" y="129852"/>
-                </a:lnTo>
-                <a:lnTo>
-                  <a:pt x="349204" y="92047"/>
-                </a:lnTo>
-                <a:lnTo>
-                  <a:pt x="370531" y="48349"/>
-                </a:lnTo>
-                <a:lnTo>
-                  <a:pt x="379354" y="16556"/>
-                </a:lnTo>
-                <a:lnTo>
-                  <a:pt x="382028" y="0"/>
-                </a:lnTo>
-                <a:close/>
-              </a:path>
-            </a:pathLst>
-          </a:custGeom>
-          <a:solidFill>
-            <a:srgbClr val="F58100"/>
-          </a:solidFill>
-        </p:spPr>
-        <p:txBody>
-          <a:bodyPr wrap="square" lIns="0" tIns="0" rIns="0" bIns="0" rtlCol="0"/>
-          <a:lstStyle/>
-          <a:p>
-            <a:endParaRPr/>
-          </a:p>
-        </p:txBody>
-      </p:sp>
-      <p:sp>
-        <p:nvSpPr>
-          <p:cNvPr id="106" name="object 106"/>
-          <p:cNvSpPr/>
-          <p:nvPr/>
-        </p:nvSpPr>
-        <p:spPr>
-          <a:xfrm>
-            <a:off x="13896365" y="8407412"/>
-            <a:ext cx="344170" cy="158750"/>
-          </a:xfrm>
-          <a:custGeom>
-            <a:avLst/>
-            <a:gdLst/>
-            <a:ahLst/>
-            <a:cxnLst/>
-            <a:rect l="l" t="t" r="r" b="b"/>
-            <a:pathLst>
-              <a:path w="344169" h="158750">
-                <a:moveTo>
-                  <a:pt x="211769" y="0"/>
-                </a:moveTo>
-                <a:lnTo>
-                  <a:pt x="169042" y="3916"/>
-                </a:lnTo>
-                <a:lnTo>
-                  <a:pt x="129152" y="15200"/>
-                </a:lnTo>
-                <a:lnTo>
-                  <a:pt x="92763" y="33137"/>
-                </a:lnTo>
-                <a:lnTo>
-                  <a:pt x="60536" y="57012"/>
-                </a:lnTo>
-                <a:lnTo>
-                  <a:pt x="33137" y="86113"/>
-                </a:lnTo>
-                <a:lnTo>
-                  <a:pt x="11228" y="119725"/>
-                </a:lnTo>
-                <a:lnTo>
-                  <a:pt x="0" y="144286"/>
-                </a:lnTo>
-                <a:lnTo>
-                  <a:pt x="35585" y="158227"/>
-                </a:lnTo>
-                <a:lnTo>
-                  <a:pt x="40916" y="145817"/>
-                </a:lnTo>
-                <a:lnTo>
-                  <a:pt x="47089" y="133885"/>
-                </a:lnTo>
-                <a:lnTo>
-                  <a:pt x="70279" y="101344"/>
-                </a:lnTo>
-                <a:lnTo>
-                  <a:pt x="99675" y="74494"/>
-                </a:lnTo>
-                <a:lnTo>
-                  <a:pt x="134246" y="54371"/>
-                </a:lnTo>
-                <a:lnTo>
-                  <a:pt x="172960" y="42012"/>
-                </a:lnTo>
-                <a:lnTo>
-                  <a:pt x="209562" y="38384"/>
-                </a:lnTo>
-                <a:lnTo>
-                  <a:pt x="334777" y="38384"/>
-                </a:lnTo>
-                <a:lnTo>
-                  <a:pt x="333725" y="37637"/>
-                </a:lnTo>
-                <a:lnTo>
-                  <a:pt x="288651" y="14403"/>
-                </a:lnTo>
-                <a:lnTo>
-                  <a:pt x="251368" y="3898"/>
-                </a:lnTo>
-                <a:lnTo>
-                  <a:pt x="225189" y="528"/>
-                </a:lnTo>
-                <a:lnTo>
-                  <a:pt x="211769" y="0"/>
-                </a:lnTo>
-                <a:close/>
-              </a:path>
-              <a:path w="344169" h="158750">
-                <a:moveTo>
-                  <a:pt x="334777" y="38384"/>
-                </a:moveTo>
-                <a:lnTo>
-                  <a:pt x="209562" y="38384"/>
-                </a:lnTo>
-                <a:lnTo>
-                  <a:pt x="222980" y="38865"/>
-                </a:lnTo>
-                <a:lnTo>
-                  <a:pt x="236143" y="40286"/>
-                </a:lnTo>
-                <a:lnTo>
-                  <a:pt x="273783" y="49858"/>
-                </a:lnTo>
-                <a:lnTo>
-                  <a:pt x="307967" y="66702"/>
-                </a:lnTo>
-                <a:lnTo>
-                  <a:pt x="318442" y="73779"/>
-                </a:lnTo>
-                <a:lnTo>
-                  <a:pt x="344017" y="44943"/>
-                </a:lnTo>
-                <a:lnTo>
-                  <a:pt x="334777" y="38384"/>
-                </a:lnTo>
-                <a:close/>
-              </a:path>
-            </a:pathLst>
-          </a:custGeom>
-          <a:solidFill>
-            <a:srgbClr val="F58100"/>
-          </a:solidFill>
-        </p:spPr>
-        <p:txBody>
-          <a:bodyPr wrap="square" lIns="0" tIns="0" rIns="0" bIns="0" rtlCol="0"/>
-          <a:lstStyle/>
-          <a:p>
-            <a:endParaRPr/>
-          </a:p>
-        </p:txBody>
-      </p:sp>
-      <p:sp>
-        <p:nvSpPr>
-          <p:cNvPr id="107" name="object 107"/>
-          <p:cNvSpPr/>
-          <p:nvPr/>
-        </p:nvSpPr>
-        <p:spPr>
-          <a:xfrm>
-            <a:off x="14264245" y="8520927"/>
-            <a:ext cx="64769" cy="85090"/>
-          </a:xfrm>
-          <a:custGeom>
-            <a:avLst/>
-            <a:gdLst/>
-            <a:ahLst/>
-            <a:cxnLst/>
-            <a:rect l="l" t="t" r="r" b="b"/>
-            <a:pathLst>
-              <a:path w="64769" h="85090">
-                <a:moveTo>
-                  <a:pt x="36596" y="0"/>
-                </a:moveTo>
-                <a:lnTo>
-                  <a:pt x="0" y="13371"/>
-                </a:lnTo>
-                <a:lnTo>
-                  <a:pt x="6292" y="24285"/>
-                </a:lnTo>
-                <a:lnTo>
-                  <a:pt x="11863" y="35643"/>
-                </a:lnTo>
-                <a:lnTo>
-                  <a:pt x="16682" y="47414"/>
-                </a:lnTo>
-                <a:lnTo>
-                  <a:pt x="20717" y="59566"/>
-                </a:lnTo>
-                <a:lnTo>
-                  <a:pt x="23936" y="72069"/>
-                </a:lnTo>
-                <a:lnTo>
-                  <a:pt x="26263" y="84593"/>
-                </a:lnTo>
-                <a:lnTo>
-                  <a:pt x="64757" y="84593"/>
-                </a:lnTo>
-                <a:lnTo>
-                  <a:pt x="56679" y="46520"/>
-                </a:lnTo>
-                <a:lnTo>
-                  <a:pt x="42550" y="11110"/>
-                </a:lnTo>
-                <a:lnTo>
-                  <a:pt x="36596" y="0"/>
-                </a:lnTo>
-                <a:close/>
-              </a:path>
-            </a:pathLst>
-          </a:custGeom>
-          <a:solidFill>
-            <a:srgbClr val="495362"/>
-          </a:solidFill>
-        </p:spPr>
-        <p:txBody>
-          <a:bodyPr wrap="square" lIns="0" tIns="0" rIns="0" bIns="0" rtlCol="0"/>
-          <a:lstStyle/>
-          <a:p>
-            <a:endParaRPr/>
-          </a:p>
-        </p:txBody>
-      </p:sp>
-      <p:sp>
-        <p:nvSpPr>
-          <p:cNvPr id="108" name="object 108"/>
-          <p:cNvSpPr/>
-          <p:nvPr/>
-        </p:nvSpPr>
-        <p:spPr>
-          <a:xfrm>
-            <a:off x="14158112" y="8464838"/>
-            <a:ext cx="128270" cy="140970"/>
-          </a:xfrm>
-          <a:custGeom>
-            <a:avLst/>
-            <a:gdLst/>
-            <a:ahLst/>
-            <a:cxnLst/>
-            <a:rect l="l" t="t" r="r" b="b"/>
-            <a:pathLst>
-              <a:path w="128269" h="140970">
-                <a:moveTo>
-                  <a:pt x="18268" y="0"/>
-                </a:moveTo>
-                <a:lnTo>
-                  <a:pt x="0" y="33890"/>
-                </a:lnTo>
-                <a:lnTo>
-                  <a:pt x="12100" y="39309"/>
-                </a:lnTo>
-                <a:lnTo>
-                  <a:pt x="23587" y="45784"/>
-                </a:lnTo>
-                <a:lnTo>
-                  <a:pt x="53750" y="70927"/>
-                </a:lnTo>
-                <a:lnTo>
-                  <a:pt x="76166" y="103350"/>
-                </a:lnTo>
-                <a:lnTo>
-                  <a:pt x="89026" y="140682"/>
-                </a:lnTo>
-                <a:lnTo>
-                  <a:pt x="127647" y="140682"/>
-                </a:lnTo>
-                <a:lnTo>
-                  <a:pt x="117024" y="101467"/>
-                </a:lnTo>
-                <a:lnTo>
-                  <a:pt x="98478" y="66261"/>
-                </a:lnTo>
-                <a:lnTo>
-                  <a:pt x="73057" y="36120"/>
-                </a:lnTo>
-                <a:lnTo>
-                  <a:pt x="41814" y="12097"/>
-                </a:lnTo>
-                <a:lnTo>
-                  <a:pt x="30286" y="5630"/>
-                </a:lnTo>
-                <a:lnTo>
-                  <a:pt x="18268" y="0"/>
-                </a:lnTo>
-                <a:close/>
-              </a:path>
-            </a:pathLst>
-          </a:custGeom>
-          <a:solidFill>
-            <a:srgbClr val="F58100"/>
-          </a:solidFill>
-        </p:spPr>
-        <p:txBody>
-          <a:bodyPr wrap="square" lIns="0" tIns="0" rIns="0" bIns="0" rtlCol="0"/>
-          <a:lstStyle/>
-          <a:p>
-            <a:endParaRPr/>
-          </a:p>
-        </p:txBody>
-      </p:sp>
-      <p:sp>
-        <p:nvSpPr>
-          <p:cNvPr id="109" name="object 109"/>
-          <p:cNvSpPr/>
-          <p:nvPr/>
-        </p:nvSpPr>
-        <p:spPr>
-          <a:xfrm>
-            <a:off x="13937395" y="8450513"/>
-            <a:ext cx="168910" cy="130810"/>
-          </a:xfrm>
-          <a:custGeom>
-            <a:avLst/>
-            <a:gdLst/>
-            <a:ahLst/>
-            <a:cxnLst/>
-            <a:rect l="l" t="t" r="r" b="b"/>
-            <a:pathLst>
-              <a:path w="168909" h="130809">
-                <a:moveTo>
-                  <a:pt x="168531" y="0"/>
-                </a:moveTo>
-                <a:lnTo>
-                  <a:pt x="127066" y="4799"/>
-                </a:lnTo>
-                <a:lnTo>
-                  <a:pt x="88952" y="18469"/>
-                </a:lnTo>
-                <a:lnTo>
-                  <a:pt x="55270" y="39920"/>
-                </a:lnTo>
-                <a:lnTo>
-                  <a:pt x="27104" y="68059"/>
-                </a:lnTo>
-                <a:lnTo>
-                  <a:pt x="5536" y="101795"/>
-                </a:lnTo>
-                <a:lnTo>
-                  <a:pt x="0" y="114095"/>
-                </a:lnTo>
-                <a:lnTo>
-                  <a:pt x="34356" y="130727"/>
-                </a:lnTo>
-                <a:lnTo>
-                  <a:pt x="39816" y="118386"/>
-                </a:lnTo>
-                <a:lnTo>
-                  <a:pt x="46352" y="106681"/>
-                </a:lnTo>
-                <a:lnTo>
-                  <a:pt x="71778" y="76022"/>
-                </a:lnTo>
-                <a:lnTo>
-                  <a:pt x="104586" y="53406"/>
-                </a:lnTo>
-                <a:lnTo>
-                  <a:pt x="143047" y="40577"/>
-                </a:lnTo>
-                <a:lnTo>
-                  <a:pt x="168531" y="38303"/>
-                </a:lnTo>
-                <a:lnTo>
-                  <a:pt x="168531" y="0"/>
-                </a:lnTo>
-                <a:close/>
-              </a:path>
-            </a:pathLst>
-          </a:custGeom>
-          <a:solidFill>
-            <a:srgbClr val="495362"/>
-          </a:solidFill>
-        </p:spPr>
-        <p:txBody>
-          <a:bodyPr wrap="square" lIns="0" tIns="0" rIns="0" bIns="0" rtlCol="0"/>
-          <a:lstStyle/>
-          <a:p>
-            <a:endParaRPr/>
-          </a:p>
-        </p:txBody>
-      </p:sp>
-      <p:sp>
-        <p:nvSpPr>
-          <p:cNvPr id="110" name="object 110"/>
-          <p:cNvSpPr/>
-          <p:nvPr/>
-        </p:nvSpPr>
-        <p:spPr>
-          <a:xfrm>
-            <a:off x="13923911" y="8633823"/>
-            <a:ext cx="128905" cy="169545"/>
-          </a:xfrm>
-          <a:custGeom>
-            <a:avLst/>
-            <a:gdLst/>
-            <a:ahLst/>
-            <a:cxnLst/>
-            <a:rect l="l" t="t" r="r" b="b"/>
-            <a:pathLst>
-              <a:path w="128905" h="169545">
-                <a:moveTo>
-                  <a:pt x="38036" y="0"/>
-                </a:moveTo>
-                <a:lnTo>
-                  <a:pt x="0" y="0"/>
-                </a:lnTo>
-                <a:lnTo>
-                  <a:pt x="539" y="14179"/>
-                </a:lnTo>
-                <a:lnTo>
-                  <a:pt x="8311" y="54802"/>
-                </a:lnTo>
-                <a:lnTo>
-                  <a:pt x="24478" y="91714"/>
-                </a:lnTo>
-                <a:lnTo>
-                  <a:pt x="47967" y="123838"/>
-                </a:lnTo>
-                <a:lnTo>
-                  <a:pt x="77702" y="150097"/>
-                </a:lnTo>
-                <a:lnTo>
-                  <a:pt x="112610" y="169416"/>
-                </a:lnTo>
-                <a:lnTo>
-                  <a:pt x="128549" y="134607"/>
-                </a:lnTo>
-                <a:lnTo>
-                  <a:pt x="116399" y="129018"/>
-                </a:lnTo>
-                <a:lnTo>
-                  <a:pt x="104880" y="122360"/>
-                </a:lnTo>
-                <a:lnTo>
-                  <a:pt x="74753" y="96602"/>
-                </a:lnTo>
-                <a:lnTo>
-                  <a:pt x="52603" y="63510"/>
-                </a:lnTo>
-                <a:lnTo>
-                  <a:pt x="40145" y="24805"/>
-                </a:lnTo>
-                <a:lnTo>
-                  <a:pt x="38443" y="10953"/>
-                </a:lnTo>
-                <a:lnTo>
-                  <a:pt x="38036" y="0"/>
-                </a:lnTo>
-                <a:close/>
-              </a:path>
-            </a:pathLst>
-          </a:custGeom>
-          <a:solidFill>
-            <a:srgbClr val="F58100"/>
-          </a:solidFill>
-        </p:spPr>
-        <p:txBody>
-          <a:bodyPr wrap="square" lIns="0" tIns="0" rIns="0" bIns="0" rtlCol="0"/>
-          <a:lstStyle/>
-          <a:p>
-            <a:endParaRPr/>
-          </a:p>
-        </p:txBody>
-      </p:sp>
-      <p:sp>
-        <p:nvSpPr>
-          <p:cNvPr id="111" name="object 111"/>
-          <p:cNvSpPr/>
-          <p:nvPr/>
-        </p:nvSpPr>
-        <p:spPr>
-          <a:xfrm>
-            <a:off x="14105928" y="8662126"/>
-            <a:ext cx="178435" cy="155575"/>
-          </a:xfrm>
-          <a:custGeom>
-            <a:avLst/>
-            <a:gdLst/>
-            <a:ahLst/>
-            <a:cxnLst/>
-            <a:rect l="l" t="t" r="r" b="b"/>
-            <a:pathLst>
-              <a:path w="178434" h="155575">
-                <a:moveTo>
-                  <a:pt x="141211" y="0"/>
-                </a:moveTo>
-                <a:lnTo>
-                  <a:pt x="127469" y="39052"/>
-                </a:lnTo>
-                <a:lnTo>
-                  <a:pt x="103814" y="72063"/>
-                </a:lnTo>
-                <a:lnTo>
-                  <a:pt x="72068" y="97193"/>
-                </a:lnTo>
-                <a:lnTo>
-                  <a:pt x="34056" y="112605"/>
-                </a:lnTo>
-                <a:lnTo>
-                  <a:pt x="0" y="116703"/>
-                </a:lnTo>
-                <a:lnTo>
-                  <a:pt x="0" y="155007"/>
-                </a:lnTo>
-                <a:lnTo>
-                  <a:pt x="42339" y="150000"/>
-                </a:lnTo>
-                <a:lnTo>
-                  <a:pt x="81155" y="135755"/>
-                </a:lnTo>
-                <a:lnTo>
-                  <a:pt x="115291" y="113437"/>
-                </a:lnTo>
-                <a:lnTo>
-                  <a:pt x="143592" y="84209"/>
-                </a:lnTo>
-                <a:lnTo>
-                  <a:pt x="164903" y="49236"/>
-                </a:lnTo>
-                <a:lnTo>
-                  <a:pt x="178068" y="9682"/>
-                </a:lnTo>
-                <a:lnTo>
-                  <a:pt x="141211" y="0"/>
-                </a:lnTo>
-                <a:close/>
-              </a:path>
-            </a:pathLst>
-          </a:custGeom>
-          <a:solidFill>
-            <a:srgbClr val="495362"/>
-          </a:solidFill>
-        </p:spPr>
-        <p:txBody>
-          <a:bodyPr wrap="square" lIns="0" tIns="0" rIns="0" bIns="0" rtlCol="0"/>
-          <a:lstStyle/>
-          <a:p>
-            <a:endParaRPr/>
-          </a:p>
-        </p:txBody>
-      </p:sp>
-      <p:sp>
-        <p:nvSpPr>
-          <p:cNvPr id="114" name="object 114"/>
-          <p:cNvSpPr/>
-          <p:nvPr/>
-        </p:nvSpPr>
-        <p:spPr>
-          <a:xfrm>
-            <a:off x="901700" y="4978400"/>
-            <a:ext cx="8674100" cy="457200"/>
-          </a:xfrm>
-          <a:prstGeom prst="rect">
-            <a:avLst/>
-          </a:prstGeom>
-          <a:blipFill>
-            <a:blip r:embed="rId4" cstate="print"/>
-            <a:stretch>
-              <a:fillRect/>
-            </a:stretch>
-          </a:blipFill>
-        </p:spPr>
-        <p:txBody>
-          <a:bodyPr wrap="square" lIns="0" tIns="0" rIns="0" bIns="0" rtlCol="0"/>
-          <a:lstStyle/>
-          <a:p>
-            <a:endParaRPr/>
-          </a:p>
-        </p:txBody>
-      </p:sp>
-      <p:sp>
-        <p:nvSpPr>
-          <p:cNvPr id="115" name="object 115"/>
-          <p:cNvSpPr txBox="1"/>
-          <p:nvPr/>
-        </p:nvSpPr>
-        <p:spPr>
-          <a:xfrm>
-            <a:off x="927100" y="4991380"/>
-            <a:ext cx="8615680" cy="457200"/>
-          </a:xfrm>
-          <a:prstGeom prst="rect">
-            <a:avLst/>
-          </a:prstGeom>
-        </p:spPr>
-        <p:txBody>
-          <a:bodyPr vert="horz" wrap="square" lIns="0" tIns="0" rIns="0" bIns="0" rtlCol="0">
-            <a:spAutoFit/>
-          </a:bodyPr>
-          <a:lstStyle/>
-          <a:p>
-            <a:pPr marL="12700">
-              <a:lnSpc>
-                <a:spcPts val="4285"/>
-              </a:lnSpc>
-            </a:pPr>
-            <a:r>
-              <a:rPr sz="3600" spc="-10" dirty="0">
-                <a:solidFill>
-                  <a:srgbClr val="A1C3E5"/>
-                </a:solidFill>
-                <a:latin typeface="Arial"/>
-                <a:cs typeface="Arial"/>
-              </a:rPr>
-              <a:t>T</a:t>
-            </a:r>
-            <a:r>
-              <a:rPr sz="3600" dirty="0">
-                <a:solidFill>
-                  <a:srgbClr val="A1C3E5"/>
-                </a:solidFill>
-                <a:latin typeface="Arial"/>
-                <a:cs typeface="Arial"/>
-              </a:rPr>
-              <a:t>he</a:t>
-            </a:r>
-            <a:r>
-              <a:rPr sz="3600" spc="-5" dirty="0">
-                <a:solidFill>
-                  <a:srgbClr val="A1C3E5"/>
-                </a:solidFill>
-                <a:latin typeface="Arial"/>
-                <a:cs typeface="Arial"/>
-              </a:rPr>
-              <a:t> </a:t>
-            </a:r>
-            <a:r>
-              <a:rPr sz="3600" dirty="0">
-                <a:solidFill>
-                  <a:srgbClr val="A1C3E5"/>
-                </a:solidFill>
-                <a:latin typeface="Arial"/>
-                <a:cs typeface="Arial"/>
-              </a:rPr>
-              <a:t>real</a:t>
-            </a:r>
-            <a:r>
-              <a:rPr sz="3600" spc="-5" dirty="0">
-                <a:solidFill>
-                  <a:srgbClr val="A1C3E5"/>
-                </a:solidFill>
-                <a:latin typeface="Arial"/>
-                <a:cs typeface="Arial"/>
-              </a:rPr>
-              <a:t> </a:t>
-            </a:r>
-            <a:r>
-              <a:rPr sz="3600" dirty="0">
-                <a:solidFill>
-                  <a:srgbClr val="A1C3E5"/>
-                </a:solidFill>
-                <a:latin typeface="Arial"/>
-                <a:cs typeface="Arial"/>
-              </a:rPr>
-              <a:t>bene</a:t>
-            </a:r>
-            <a:r>
-              <a:rPr sz="3600" spc="-10" dirty="0">
-                <a:solidFill>
-                  <a:srgbClr val="A1C3E5"/>
-                </a:solidFill>
-                <a:latin typeface="Arial"/>
-                <a:cs typeface="Arial"/>
-              </a:rPr>
-              <a:t>f</a:t>
-            </a:r>
-            <a:r>
-              <a:rPr sz="3600" dirty="0">
-                <a:solidFill>
-                  <a:srgbClr val="A1C3E5"/>
-                </a:solidFill>
-                <a:latin typeface="Arial"/>
-                <a:cs typeface="Arial"/>
-              </a:rPr>
-              <a:t>i</a:t>
-            </a:r>
-            <a:r>
-              <a:rPr sz="3600" spc="-10" dirty="0">
-                <a:solidFill>
-                  <a:srgbClr val="A1C3E5"/>
-                </a:solidFill>
-                <a:latin typeface="Arial"/>
-                <a:cs typeface="Arial"/>
-              </a:rPr>
-              <a:t>t</a:t>
-            </a:r>
-            <a:r>
-              <a:rPr sz="3600" dirty="0">
-                <a:solidFill>
-                  <a:srgbClr val="A1C3E5"/>
-                </a:solidFill>
-                <a:latin typeface="Arial"/>
-                <a:cs typeface="Arial"/>
-              </a:rPr>
-              <a:t>s</a:t>
-            </a:r>
-            <a:r>
-              <a:rPr sz="3600" spc="-5" dirty="0">
-                <a:solidFill>
-                  <a:srgbClr val="A1C3E5"/>
-                </a:solidFill>
-                <a:latin typeface="Arial"/>
-                <a:cs typeface="Arial"/>
-              </a:rPr>
-              <a:t> </a:t>
-            </a:r>
-            <a:r>
-              <a:rPr sz="3600" dirty="0">
-                <a:solidFill>
-                  <a:srgbClr val="A1C3E5"/>
-                </a:solidFill>
-                <a:latin typeface="Arial"/>
-                <a:cs typeface="Arial"/>
-              </a:rPr>
-              <a:t>o</a:t>
-            </a:r>
-            <a:r>
-              <a:rPr sz="3600" spc="-5" dirty="0">
-                <a:solidFill>
-                  <a:srgbClr val="A1C3E5"/>
-                </a:solidFill>
-                <a:latin typeface="Arial"/>
-                <a:cs typeface="Arial"/>
-              </a:rPr>
-              <a:t>f </a:t>
-            </a:r>
-            <a:r>
-              <a:rPr sz="3600" spc="-10" dirty="0">
-                <a:solidFill>
-                  <a:srgbClr val="A1C3E5"/>
-                </a:solidFill>
-                <a:latin typeface="Arial"/>
-                <a:cs typeface="Arial"/>
-              </a:rPr>
-              <a:t>I</a:t>
-            </a:r>
-            <a:r>
-              <a:rPr sz="3600" dirty="0">
-                <a:solidFill>
-                  <a:srgbClr val="A1C3E5"/>
-                </a:solidFill>
-                <a:latin typeface="Arial"/>
-                <a:cs typeface="Arial"/>
-              </a:rPr>
-              <a:t>n</a:t>
-            </a:r>
-            <a:r>
-              <a:rPr sz="3600" spc="-10" dirty="0">
-                <a:solidFill>
-                  <a:srgbClr val="A1C3E5"/>
-                </a:solidFill>
-                <a:latin typeface="Arial"/>
-                <a:cs typeface="Arial"/>
-              </a:rPr>
-              <a:t>f</a:t>
-            </a:r>
-            <a:r>
-              <a:rPr sz="3600" dirty="0">
-                <a:solidFill>
-                  <a:srgbClr val="A1C3E5"/>
-                </a:solidFill>
-                <a:latin typeface="Arial"/>
-                <a:cs typeface="Arial"/>
-              </a:rPr>
-              <a:t>ra</a:t>
-            </a:r>
-            <a:r>
-              <a:rPr sz="3600" spc="-5" dirty="0">
-                <a:solidFill>
-                  <a:srgbClr val="A1C3E5"/>
-                </a:solidFill>
-                <a:latin typeface="Arial"/>
-                <a:cs typeface="Arial"/>
-              </a:rPr>
-              <a:t>s</a:t>
-            </a:r>
-            <a:r>
-              <a:rPr sz="3600" spc="-10" dirty="0">
-                <a:solidFill>
-                  <a:srgbClr val="A1C3E5"/>
-                </a:solidFill>
-                <a:latin typeface="Arial"/>
-                <a:cs typeface="Arial"/>
-              </a:rPr>
-              <a:t>t</a:t>
-            </a:r>
-            <a:r>
-              <a:rPr sz="3600" dirty="0">
-                <a:solidFill>
-                  <a:srgbClr val="A1C3E5"/>
-                </a:solidFill>
-                <a:latin typeface="Arial"/>
-                <a:cs typeface="Arial"/>
-              </a:rPr>
-              <a:t>ru</a:t>
-            </a:r>
-            <a:r>
-              <a:rPr sz="3600" spc="-5" dirty="0">
-                <a:solidFill>
-                  <a:srgbClr val="A1C3E5"/>
-                </a:solidFill>
-                <a:latin typeface="Arial"/>
-                <a:cs typeface="Arial"/>
-              </a:rPr>
-              <a:t>c</a:t>
-            </a:r>
-            <a:r>
-              <a:rPr sz="3600" spc="-10" dirty="0">
-                <a:solidFill>
-                  <a:srgbClr val="A1C3E5"/>
-                </a:solidFill>
-                <a:latin typeface="Arial"/>
-                <a:cs typeface="Arial"/>
-              </a:rPr>
-              <a:t>t</a:t>
-            </a:r>
-            <a:r>
-              <a:rPr sz="3600" dirty="0">
-                <a:solidFill>
-                  <a:srgbClr val="A1C3E5"/>
-                </a:solidFill>
-                <a:latin typeface="Arial"/>
-                <a:cs typeface="Arial"/>
-              </a:rPr>
-              <a:t>ure</a:t>
-            </a:r>
-            <a:r>
-              <a:rPr sz="3600" spc="-200" dirty="0">
-                <a:solidFill>
-                  <a:srgbClr val="A1C3E5"/>
-                </a:solidFill>
-                <a:latin typeface="Arial"/>
-                <a:cs typeface="Arial"/>
-              </a:rPr>
-              <a:t> </a:t>
-            </a:r>
-            <a:r>
-              <a:rPr sz="3600" dirty="0">
-                <a:solidFill>
-                  <a:srgbClr val="A1C3E5"/>
-                </a:solidFill>
-                <a:latin typeface="Arial"/>
-                <a:cs typeface="Arial"/>
-              </a:rPr>
-              <a:t>As</a:t>
-            </a:r>
-            <a:r>
-              <a:rPr sz="3600" spc="-5" dirty="0">
-                <a:solidFill>
-                  <a:srgbClr val="A1C3E5"/>
-                </a:solidFill>
-                <a:latin typeface="Arial"/>
-                <a:cs typeface="Arial"/>
-              </a:rPr>
-              <a:t> </a:t>
-            </a:r>
-            <a:r>
-              <a:rPr sz="3600" dirty="0">
-                <a:solidFill>
-                  <a:srgbClr val="A1C3E5"/>
-                </a:solidFill>
-                <a:latin typeface="Arial"/>
-                <a:cs typeface="Arial"/>
-              </a:rPr>
-              <a:t>Code</a:t>
-            </a:r>
-            <a:endParaRPr sz="3600">
-              <a:latin typeface="Arial"/>
-              <a:cs typeface="Arial"/>
-            </a:endParaRPr>
-          </a:p>
-        </p:txBody>
-      </p:sp>
-      <p:sp>
-        <p:nvSpPr>
           <p:cNvPr id="116" name="object 116"/>
           <p:cNvSpPr txBox="1">
             <a:spLocks noGrp="1"/>
@@ -17175,6 +13748,545 @@
               <a:rPr dirty="0"/>
               <a:t>ess</a:t>
             </a:r>
+          </a:p>
+        </p:txBody>
+      </p:sp>
+      <p:sp>
+        <p:nvSpPr>
+          <p:cNvPr id="117" name="Holder 5"/>
+          <p:cNvSpPr txBox="1">
+            <a:spLocks/>
+          </p:cNvSpPr>
+          <p:nvPr/>
+        </p:nvSpPr>
+        <p:spPr>
+          <a:xfrm>
+            <a:off x="203200" y="8649209"/>
+            <a:ext cx="3738880" cy="276999"/>
+          </a:xfrm>
+          <a:prstGeom prst="rect">
+            <a:avLst/>
+          </a:prstGeom>
+        </p:spPr>
+        <p:txBody>
+          <a:bodyPr lIns="0" tIns="0" rIns="0" bIns="0"/>
+          <a:lstStyle>
+            <a:defPPr>
+              <a:defRPr lang="en-US"/>
+            </a:defPPr>
+            <a:lvl1pPr marL="0" algn="l" defTabSz="914400" rtl="0" eaLnBrk="1" latinLnBrk="0" hangingPunct="1">
+              <a:defRPr sz="1800" kern="1200">
+                <a:solidFill>
+                  <a:schemeClr val="tx1">
+                    <a:tint val="75000"/>
+                  </a:schemeClr>
+                </a:solidFill>
+                <a:latin typeface="+mn-lt"/>
+                <a:ea typeface="+mn-ea"/>
+                <a:cs typeface="+mn-cs"/>
+              </a:defRPr>
+            </a:lvl1pPr>
+            <a:lvl2pPr marL="457200" algn="l" defTabSz="914400" rtl="0" eaLnBrk="1" latinLnBrk="0" hangingPunct="1">
+              <a:defRPr sz="1800" kern="1200">
+                <a:solidFill>
+                  <a:schemeClr val="tx1"/>
+                </a:solidFill>
+                <a:latin typeface="+mn-lt"/>
+                <a:ea typeface="+mn-ea"/>
+                <a:cs typeface="+mn-cs"/>
+              </a:defRPr>
+            </a:lvl2pPr>
+            <a:lvl3pPr marL="914400" algn="l" defTabSz="914400" rtl="0" eaLnBrk="1" latinLnBrk="0" hangingPunct="1">
+              <a:defRPr sz="1800" kern="1200">
+                <a:solidFill>
+                  <a:schemeClr val="tx1"/>
+                </a:solidFill>
+                <a:latin typeface="+mn-lt"/>
+                <a:ea typeface="+mn-ea"/>
+                <a:cs typeface="+mn-cs"/>
+              </a:defRPr>
+            </a:lvl3pPr>
+            <a:lvl4pPr marL="1371600" algn="l" defTabSz="914400" rtl="0" eaLnBrk="1" latinLnBrk="0" hangingPunct="1">
+              <a:defRPr sz="1800" kern="1200">
+                <a:solidFill>
+                  <a:schemeClr val="tx1"/>
+                </a:solidFill>
+                <a:latin typeface="+mn-lt"/>
+                <a:ea typeface="+mn-ea"/>
+                <a:cs typeface="+mn-cs"/>
+              </a:defRPr>
+            </a:lvl4pPr>
+            <a:lvl5pPr marL="1828800" algn="l" defTabSz="914400" rtl="0" eaLnBrk="1" latinLnBrk="0" hangingPunct="1">
+              <a:defRPr sz="1800" kern="1200">
+                <a:solidFill>
+                  <a:schemeClr val="tx1"/>
+                </a:solidFill>
+                <a:latin typeface="+mn-lt"/>
+                <a:ea typeface="+mn-ea"/>
+                <a:cs typeface="+mn-cs"/>
+              </a:defRPr>
+            </a:lvl5pPr>
+            <a:lvl6pPr marL="2286000" algn="l" defTabSz="914400" rtl="0" eaLnBrk="1" latinLnBrk="0" hangingPunct="1">
+              <a:defRPr sz="1800" kern="1200">
+                <a:solidFill>
+                  <a:schemeClr val="tx1"/>
+                </a:solidFill>
+                <a:latin typeface="+mn-lt"/>
+                <a:ea typeface="+mn-ea"/>
+                <a:cs typeface="+mn-cs"/>
+              </a:defRPr>
+            </a:lvl6pPr>
+            <a:lvl7pPr marL="2743200" algn="l" defTabSz="914400" rtl="0" eaLnBrk="1" latinLnBrk="0" hangingPunct="1">
+              <a:defRPr sz="1800" kern="1200">
+                <a:solidFill>
+                  <a:schemeClr val="tx1"/>
+                </a:solidFill>
+                <a:latin typeface="+mn-lt"/>
+                <a:ea typeface="+mn-ea"/>
+                <a:cs typeface="+mn-cs"/>
+              </a:defRPr>
+            </a:lvl7pPr>
+            <a:lvl8pPr marL="3200400" algn="l" defTabSz="914400" rtl="0" eaLnBrk="1" latinLnBrk="0" hangingPunct="1">
+              <a:defRPr sz="1800" kern="1200">
+                <a:solidFill>
+                  <a:schemeClr val="tx1"/>
+                </a:solidFill>
+                <a:latin typeface="+mn-lt"/>
+                <a:ea typeface="+mn-ea"/>
+                <a:cs typeface="+mn-cs"/>
+              </a:defRPr>
+            </a:lvl8pPr>
+            <a:lvl9pPr marL="3657600" algn="l" defTabSz="914400" rtl="0" eaLnBrk="1" latinLnBrk="0" hangingPunct="1">
+              <a:defRPr sz="1800" kern="1200">
+                <a:solidFill>
+                  <a:schemeClr val="tx1"/>
+                </a:solidFill>
+                <a:latin typeface="+mn-lt"/>
+                <a:ea typeface="+mn-ea"/>
+                <a:cs typeface="+mn-cs"/>
+              </a:defRPr>
+            </a:lvl9pPr>
+          </a:lstStyle>
+          <a:p>
+            <a:r>
+              <a:rPr lang="en-US" dirty="0" smtClean="0">
+                <a:solidFill>
+                  <a:srgbClr val="7D8689"/>
+                </a:solidFill>
+              </a:rPr>
+              <a:t>Copyright © 2015 Chef Software, Inc.</a:t>
+            </a:r>
+            <a:endParaRPr lang="en-US" dirty="0">
+              <a:solidFill>
+                <a:srgbClr val="7D8689"/>
+              </a:solidFill>
+            </a:endParaRPr>
+          </a:p>
+        </p:txBody>
+      </p:sp>
+      <p:sp>
+        <p:nvSpPr>
+          <p:cNvPr id="119" name="object 71"/>
+          <p:cNvSpPr txBox="1"/>
+          <p:nvPr/>
+        </p:nvSpPr>
+        <p:spPr>
+          <a:xfrm>
+            <a:off x="25400" y="7785239"/>
+            <a:ext cx="648335" cy="276999"/>
+          </a:xfrm>
+          <a:prstGeom prst="rect">
+            <a:avLst/>
+          </a:prstGeom>
+        </p:spPr>
+        <p:txBody>
+          <a:bodyPr vert="horz" wrap="square" lIns="0" tIns="0" rIns="0" bIns="0" rtlCol="0">
+            <a:spAutoFit/>
+          </a:bodyPr>
+          <a:lstStyle/>
+          <a:p>
+            <a:pPr marL="12700">
+              <a:lnSpc>
+                <a:spcPct val="100000"/>
+              </a:lnSpc>
+            </a:pPr>
+            <a:r>
+              <a:rPr sz="1800" dirty="0" smtClean="0">
+                <a:solidFill>
+                  <a:srgbClr val="A1C3E5"/>
+                </a:solidFill>
+                <a:latin typeface="Arial"/>
+                <a:cs typeface="Arial"/>
+              </a:rPr>
+              <a:t>v1</a:t>
+            </a:r>
+            <a:r>
+              <a:rPr lang="en-US" sz="1800" dirty="0" smtClean="0">
+                <a:solidFill>
+                  <a:srgbClr val="A1C3E5"/>
+                </a:solidFill>
+                <a:latin typeface="Arial"/>
+                <a:cs typeface="Arial"/>
+              </a:rPr>
+              <a:t>.2</a:t>
+            </a:r>
+            <a:r>
+              <a:rPr sz="1800" spc="-10" dirty="0" smtClean="0">
+                <a:solidFill>
+                  <a:srgbClr val="A1C3E5"/>
+                </a:solidFill>
+                <a:latin typeface="Arial"/>
+                <a:cs typeface="Arial"/>
+              </a:rPr>
+              <a:t>.</a:t>
+            </a:r>
+            <a:r>
+              <a:rPr lang="en-US" sz="1800" spc="-10" dirty="0" smtClean="0">
+                <a:solidFill>
+                  <a:srgbClr val="A1C3E5"/>
+                </a:solidFill>
+                <a:latin typeface="Arial"/>
+                <a:cs typeface="Arial"/>
+              </a:rPr>
+              <a:t>0</a:t>
+            </a:r>
+            <a:endParaRPr sz="1800" dirty="0">
+              <a:latin typeface="Arial"/>
+              <a:cs typeface="Arial"/>
+            </a:endParaRPr>
+          </a:p>
+        </p:txBody>
+      </p:sp>
+      <p:pic>
+        <p:nvPicPr>
+          <p:cNvPr id="120" name="Picture 119"/>
+          <p:cNvPicPr>
+            <a:picLocks noChangeAspect="1"/>
+          </p:cNvPicPr>
+          <p:nvPr/>
+        </p:nvPicPr>
+        <p:blipFill>
+          <a:blip r:embed="rId3" cstate="print">
+            <a:extLst>
+              <a:ext uri="{28A0092B-C50C-407E-A947-70E740481C1C}">
+                <a14:useLocalDpi xmlns:a14="http://schemas.microsoft.com/office/drawing/2010/main" val="0"/>
+              </a:ext>
+            </a:extLst>
+          </a:blip>
+          <a:stretch>
+            <a:fillRect/>
+          </a:stretch>
+        </p:blipFill>
+        <p:spPr>
+          <a:xfrm>
+            <a:off x="15114787" y="8153400"/>
+            <a:ext cx="938013" cy="1025973"/>
+          </a:xfrm>
+          <a:prstGeom prst="rect">
+            <a:avLst/>
+          </a:prstGeom>
+        </p:spPr>
+      </p:pic>
+      <p:sp>
+        <p:nvSpPr>
+          <p:cNvPr id="121" name="object 115"/>
+          <p:cNvSpPr txBox="1"/>
+          <p:nvPr/>
+        </p:nvSpPr>
+        <p:spPr>
+          <a:xfrm>
+            <a:off x="927100" y="4991380"/>
+            <a:ext cx="8615680" cy="457200"/>
+          </a:xfrm>
+          <a:prstGeom prst="rect">
+            <a:avLst/>
+          </a:prstGeom>
+        </p:spPr>
+        <p:txBody>
+          <a:bodyPr vert="horz" wrap="square" lIns="0" tIns="0" rIns="0" bIns="0" rtlCol="0">
+            <a:spAutoFit/>
+          </a:bodyPr>
+          <a:lstStyle/>
+          <a:p>
+            <a:pPr marL="12700">
+              <a:lnSpc>
+                <a:spcPts val="4285"/>
+              </a:lnSpc>
+            </a:pPr>
+            <a:r>
+              <a:rPr sz="3600" spc="-10" dirty="0">
+                <a:solidFill>
+                  <a:srgbClr val="A1C3E5"/>
+                </a:solidFill>
+                <a:latin typeface="Arial"/>
+                <a:cs typeface="Arial"/>
+              </a:rPr>
+              <a:t>T</a:t>
+            </a:r>
+            <a:r>
+              <a:rPr sz="3600" dirty="0">
+                <a:solidFill>
+                  <a:srgbClr val="A1C3E5"/>
+                </a:solidFill>
+                <a:latin typeface="Arial"/>
+                <a:cs typeface="Arial"/>
+              </a:rPr>
+              <a:t>he</a:t>
+            </a:r>
+            <a:r>
+              <a:rPr sz="3600" spc="-5" dirty="0">
+                <a:solidFill>
+                  <a:srgbClr val="A1C3E5"/>
+                </a:solidFill>
+                <a:latin typeface="Arial"/>
+                <a:cs typeface="Arial"/>
+              </a:rPr>
+              <a:t> </a:t>
+            </a:r>
+            <a:r>
+              <a:rPr sz="3600" dirty="0">
+                <a:solidFill>
+                  <a:srgbClr val="A1C3E5"/>
+                </a:solidFill>
+                <a:latin typeface="Arial"/>
+                <a:cs typeface="Arial"/>
+              </a:rPr>
+              <a:t>real</a:t>
+            </a:r>
+            <a:r>
+              <a:rPr sz="3600" spc="-5" dirty="0">
+                <a:solidFill>
+                  <a:srgbClr val="A1C3E5"/>
+                </a:solidFill>
+                <a:latin typeface="Arial"/>
+                <a:cs typeface="Arial"/>
+              </a:rPr>
+              <a:t> </a:t>
+            </a:r>
+            <a:r>
+              <a:rPr sz="3600" dirty="0">
+                <a:solidFill>
+                  <a:srgbClr val="A1C3E5"/>
+                </a:solidFill>
+                <a:latin typeface="Arial"/>
+                <a:cs typeface="Arial"/>
+              </a:rPr>
+              <a:t>bene</a:t>
+            </a:r>
+            <a:r>
+              <a:rPr sz="3600" spc="-10" dirty="0">
+                <a:solidFill>
+                  <a:srgbClr val="A1C3E5"/>
+                </a:solidFill>
+                <a:latin typeface="Arial"/>
+                <a:cs typeface="Arial"/>
+              </a:rPr>
+              <a:t>f</a:t>
+            </a:r>
+            <a:r>
+              <a:rPr sz="3600" dirty="0">
+                <a:solidFill>
+                  <a:srgbClr val="A1C3E5"/>
+                </a:solidFill>
+                <a:latin typeface="Arial"/>
+                <a:cs typeface="Arial"/>
+              </a:rPr>
+              <a:t>i</a:t>
+            </a:r>
+            <a:r>
+              <a:rPr sz="3600" spc="-10" dirty="0">
+                <a:solidFill>
+                  <a:srgbClr val="A1C3E5"/>
+                </a:solidFill>
+                <a:latin typeface="Arial"/>
+                <a:cs typeface="Arial"/>
+              </a:rPr>
+              <a:t>t</a:t>
+            </a:r>
+            <a:r>
+              <a:rPr sz="3600" dirty="0">
+                <a:solidFill>
+                  <a:srgbClr val="A1C3E5"/>
+                </a:solidFill>
+                <a:latin typeface="Arial"/>
+                <a:cs typeface="Arial"/>
+              </a:rPr>
+              <a:t>s</a:t>
+            </a:r>
+            <a:r>
+              <a:rPr sz="3600" spc="-5" dirty="0">
+                <a:solidFill>
+                  <a:srgbClr val="A1C3E5"/>
+                </a:solidFill>
+                <a:latin typeface="Arial"/>
+                <a:cs typeface="Arial"/>
+              </a:rPr>
+              <a:t> </a:t>
+            </a:r>
+            <a:r>
+              <a:rPr sz="3600" dirty="0">
+                <a:solidFill>
+                  <a:srgbClr val="A1C3E5"/>
+                </a:solidFill>
+                <a:latin typeface="Arial"/>
+                <a:cs typeface="Arial"/>
+              </a:rPr>
+              <a:t>o</a:t>
+            </a:r>
+            <a:r>
+              <a:rPr sz="3600" spc="-5" dirty="0">
+                <a:solidFill>
+                  <a:srgbClr val="A1C3E5"/>
+                </a:solidFill>
+                <a:latin typeface="Arial"/>
+                <a:cs typeface="Arial"/>
+              </a:rPr>
+              <a:t>f </a:t>
+            </a:r>
+            <a:r>
+              <a:rPr sz="3600" spc="-10" dirty="0">
+                <a:solidFill>
+                  <a:srgbClr val="A1C3E5"/>
+                </a:solidFill>
+                <a:latin typeface="Arial"/>
+                <a:cs typeface="Arial"/>
+              </a:rPr>
+              <a:t>I</a:t>
+            </a:r>
+            <a:r>
+              <a:rPr sz="3600" dirty="0">
+                <a:solidFill>
+                  <a:srgbClr val="A1C3E5"/>
+                </a:solidFill>
+                <a:latin typeface="Arial"/>
+                <a:cs typeface="Arial"/>
+              </a:rPr>
+              <a:t>n</a:t>
+            </a:r>
+            <a:r>
+              <a:rPr sz="3600" spc="-10" dirty="0">
+                <a:solidFill>
+                  <a:srgbClr val="A1C3E5"/>
+                </a:solidFill>
+                <a:latin typeface="Arial"/>
+                <a:cs typeface="Arial"/>
+              </a:rPr>
+              <a:t>f</a:t>
+            </a:r>
+            <a:r>
+              <a:rPr sz="3600" dirty="0">
+                <a:solidFill>
+                  <a:srgbClr val="A1C3E5"/>
+                </a:solidFill>
+                <a:latin typeface="Arial"/>
+                <a:cs typeface="Arial"/>
+              </a:rPr>
+              <a:t>ra</a:t>
+            </a:r>
+            <a:r>
+              <a:rPr sz="3600" spc="-5" dirty="0">
+                <a:solidFill>
+                  <a:srgbClr val="A1C3E5"/>
+                </a:solidFill>
+                <a:latin typeface="Arial"/>
+                <a:cs typeface="Arial"/>
+              </a:rPr>
+              <a:t>s</a:t>
+            </a:r>
+            <a:r>
+              <a:rPr sz="3600" spc="-10" dirty="0">
+                <a:solidFill>
+                  <a:srgbClr val="A1C3E5"/>
+                </a:solidFill>
+                <a:latin typeface="Arial"/>
+                <a:cs typeface="Arial"/>
+              </a:rPr>
+              <a:t>t</a:t>
+            </a:r>
+            <a:r>
+              <a:rPr sz="3600" dirty="0">
+                <a:solidFill>
+                  <a:srgbClr val="A1C3E5"/>
+                </a:solidFill>
+                <a:latin typeface="Arial"/>
+                <a:cs typeface="Arial"/>
+              </a:rPr>
+              <a:t>ru</a:t>
+            </a:r>
+            <a:r>
+              <a:rPr sz="3600" spc="-5" dirty="0">
+                <a:solidFill>
+                  <a:srgbClr val="A1C3E5"/>
+                </a:solidFill>
+                <a:latin typeface="Arial"/>
+                <a:cs typeface="Arial"/>
+              </a:rPr>
+              <a:t>c</a:t>
+            </a:r>
+            <a:r>
+              <a:rPr sz="3600" spc="-10" dirty="0">
+                <a:solidFill>
+                  <a:srgbClr val="A1C3E5"/>
+                </a:solidFill>
+                <a:latin typeface="Arial"/>
+                <a:cs typeface="Arial"/>
+              </a:rPr>
+              <a:t>t</a:t>
+            </a:r>
+            <a:r>
+              <a:rPr sz="3600" dirty="0">
+                <a:solidFill>
+                  <a:srgbClr val="A1C3E5"/>
+                </a:solidFill>
+                <a:latin typeface="Arial"/>
+                <a:cs typeface="Arial"/>
+              </a:rPr>
+              <a:t>ure</a:t>
+            </a:r>
+            <a:r>
+              <a:rPr sz="3600" spc="-200" dirty="0">
+                <a:solidFill>
+                  <a:srgbClr val="A1C3E5"/>
+                </a:solidFill>
+                <a:latin typeface="Arial"/>
+                <a:cs typeface="Arial"/>
+              </a:rPr>
+              <a:t> </a:t>
+            </a:r>
+            <a:r>
+              <a:rPr sz="3600" dirty="0">
+                <a:solidFill>
+                  <a:srgbClr val="A1C3E5"/>
+                </a:solidFill>
+                <a:latin typeface="Arial"/>
+                <a:cs typeface="Arial"/>
+              </a:rPr>
+              <a:t>As</a:t>
+            </a:r>
+            <a:r>
+              <a:rPr sz="3600" spc="-5" dirty="0">
+                <a:solidFill>
+                  <a:srgbClr val="A1C3E5"/>
+                </a:solidFill>
+                <a:latin typeface="Arial"/>
+                <a:cs typeface="Arial"/>
+              </a:rPr>
+              <a:t> </a:t>
+            </a:r>
+            <a:r>
+              <a:rPr sz="3600" dirty="0">
+                <a:solidFill>
+                  <a:srgbClr val="A1C3E5"/>
+                </a:solidFill>
+                <a:latin typeface="Arial"/>
+                <a:cs typeface="Arial"/>
+              </a:rPr>
+              <a:t>Code</a:t>
+            </a:r>
+            <a:endParaRPr sz="3600" dirty="0">
+              <a:latin typeface="Arial"/>
+              <a:cs typeface="Arial"/>
+            </a:endParaRPr>
           </a:p>
         </p:txBody>
       </p:sp>
@@ -39973,4 +37085,265 @@
   <a:objectDefaults/>
   <a:extraClrSchemeLst/>
 </a:theme>
+</file>
+
+<file path=ppt/theme/theme2.xml><?xml version="1.0" encoding="utf-8"?>
+<a:theme xmlns:a="http://schemas.openxmlformats.org/drawingml/2006/main" name="Office Theme">
+  <a:themeElements>
+    <a:clrScheme name="Office">
+      <a:dk1>
+        <a:sysClr val="windowText" lastClr="000000"/>
+      </a:dk1>
+      <a:lt1>
+        <a:sysClr val="window" lastClr="FFFFFF"/>
+      </a:lt1>
+      <a:dk2>
+        <a:srgbClr val="44546A"/>
+      </a:dk2>
+      <a:lt2>
+        <a:srgbClr val="E7E6E6"/>
+      </a:lt2>
+      <a:accent1>
+        <a:srgbClr val="5B9BD5"/>
+      </a:accent1>
+      <a:accent2>
+        <a:srgbClr val="ED7D31"/>
+      </a:accent2>
+      <a:accent3>
+        <a:srgbClr val="A5A5A5"/>
+      </a:accent3>
+      <a:accent4>
+        <a:srgbClr val="FFC000"/>
+      </a:accent4>
+      <a:accent5>
+        <a:srgbClr val="4472C4"/>
+      </a:accent5>
+      <a:accent6>
+        <a:srgbClr val="70AD47"/>
+      </a:accent6>
+      <a:hlink>
+        <a:srgbClr val="0563C1"/>
+      </a:hlink>
+      <a:folHlink>
+        <a:srgbClr val="954F72"/>
+      </a:folHlink>
+    </a:clrScheme>
+    <a:fontScheme name="Office">
+      <a:majorFont>
+        <a:latin typeface="Calibri Light" panose="020F0302020204030204"/>
+        <a:ea typeface=""/>
+        <a:cs typeface=""/>
+        <a:font script="Jpan" typeface="ＭＳ Ｐゴシック"/>
+        <a:font script="Hang" typeface="맑은 고딕"/>
+        <a:font script="Hans" typeface="宋体"/>
+        <a:font script="Hant" typeface="新細明體"/>
+        <a:font script="Arab" typeface="Times New Roman"/>
+        <a:font script="Hebr" typeface="Times New Roman"/>
+        <a:font script="Thai" typeface="Angsana New"/>
+        <a:font script="Ethi" typeface="Nyala"/>
+        <a:font script="Beng" typeface="Vrinda"/>
+        <a:font script="Gujr" typeface="Shruti"/>
+        <a:font script="Khmr" typeface="MoolBoran"/>
+        <a:font script="Knda" typeface="Tunga"/>
+        <a:font script="Guru" typeface="Raavi"/>
+        <a:font script="Cans" typeface="Euphemia"/>
+        <a:font script="Cher" typeface="Plantagenet Cherokee"/>
+        <a:font script="Yiii" typeface="Microsoft Yi Baiti"/>
+        <a:font script="Tibt" typeface="Microsoft Himalaya"/>
+        <a:font script="Thaa" typeface="MV Boli"/>
+        <a:font script="Deva" typeface="Mangal"/>
+        <a:font script="Telu" typeface="Gautami"/>
+        <a:font script="Taml" typeface="Latha"/>
+        <a:font script="Syrc" typeface="Estrangelo Edessa"/>
+        <a:font script="Orya" typeface="Kalinga"/>
+        <a:font script="Mlym" typeface="Kartika"/>
+        <a:font script="Laoo" typeface="DokChampa"/>
+        <a:font script="Sinh" typeface="Iskoola Pota"/>
+        <a:font script="Mong" typeface="Mongolian Baiti"/>
+        <a:font script="Viet" typeface="Times New Roman"/>
+        <a:font script="Uigh" typeface="Microsoft Uighur"/>
+        <a:font script="Geor" typeface="Sylfaen"/>
+      </a:majorFont>
+      <a:minorFont>
+        <a:latin typeface="Calibri" panose="020F0502020204030204"/>
+        <a:ea typeface=""/>
+        <a:cs typeface=""/>
+        <a:font script="Jpan" typeface="ＭＳ Ｐゴシック"/>
+        <a:font script="Hang" typeface="맑은 고딕"/>
+        <a:font script="Hans" typeface="宋体"/>
+        <a:font script="Hant" typeface="新細明體"/>
+        <a:font script="Arab" typeface="Arial"/>
+        <a:font script="Hebr" typeface="Arial"/>
+        <a:font script="Thai" typeface="Cordia New"/>
+        <a:font script="Ethi" typeface="Nyala"/>
+        <a:font script="Beng" typeface="Vrinda"/>
+        <a:font script="Gujr" typeface="Shruti"/>
+        <a:font script="Khmr" typeface="DaunPenh"/>
+        <a:font script="Knda" typeface="Tunga"/>
+        <a:font script="Guru" typeface="Raavi"/>
+        <a:font script="Cans" typeface="Euphemia"/>
+        <a:font script="Cher" typeface="Plantagenet Cherokee"/>
+        <a:font script="Yiii" typeface="Microsoft Yi Baiti"/>
+        <a:font script="Tibt" typeface="Microsoft Himalaya"/>
+        <a:font script="Thaa" typeface="MV Boli"/>
+        <a:font script="Deva" typeface="Mangal"/>
+        <a:font script="Telu" typeface="Gautami"/>
+        <a:font script="Taml" typeface="Latha"/>
+        <a:font script="Syrc" typeface="Estrangelo Edessa"/>
+        <a:font script="Orya" typeface="Kalinga"/>
+        <a:font script="Mlym" typeface="Kartika"/>
+        <a:font script="Laoo" typeface="DokChampa"/>
+        <a:font script="Sinh" typeface="Iskoola Pota"/>
+        <a:font script="Mong" typeface="Mongolian Baiti"/>
+        <a:font script="Viet" typeface="Arial"/>
+        <a:font script="Uigh" typeface="Microsoft Uighur"/>
+        <a:font script="Geor" typeface="Sylfaen"/>
+      </a:minorFont>
+    </a:fontScheme>
+    <a:fmtScheme name="Office">
+      <a:fillStyleLst>
+        <a:solidFill>
+          <a:schemeClr val="phClr"/>
+        </a:solidFill>
+        <a:gradFill rotWithShape="1">
+          <a:gsLst>
+            <a:gs pos="0">
+              <a:schemeClr val="phClr">
+                <a:lumMod val="110000"/>
+                <a:satMod val="105000"/>
+                <a:tint val="67000"/>
+              </a:schemeClr>
+            </a:gs>
+            <a:gs pos="50000">
+              <a:schemeClr val="phClr">
+                <a:lumMod val="105000"/>
+                <a:satMod val="103000"/>
+                <a:tint val="73000"/>
+              </a:schemeClr>
+            </a:gs>
+            <a:gs pos="100000">
+              <a:schemeClr val="phClr">
+                <a:lumMod val="105000"/>
+                <a:satMod val="109000"/>
+                <a:tint val="81000"/>
+              </a:schemeClr>
+            </a:gs>
+          </a:gsLst>
+          <a:lin ang="5400000" scaled="0"/>
+        </a:gradFill>
+        <a:gradFill rotWithShape="1">
+          <a:gsLst>
+            <a:gs pos="0">
+              <a:schemeClr val="phClr">
+                <a:satMod val="103000"/>
+                <a:lumMod val="102000"/>
+                <a:tint val="94000"/>
+              </a:schemeClr>
+            </a:gs>
+            <a:gs pos="50000">
+              <a:schemeClr val="phClr">
+                <a:satMod val="110000"/>
+                <a:lumMod val="100000"/>
+                <a:shade val="100000"/>
+              </a:schemeClr>
+            </a:gs>
+            <a:gs pos="100000">
+              <a:schemeClr val="phClr">
+                <a:lumMod val="99000"/>
+                <a:satMod val="120000"/>
+                <a:shade val="78000"/>
+              </a:schemeClr>
+            </a:gs>
+          </a:gsLst>
+          <a:lin ang="5400000" scaled="0"/>
+        </a:gradFill>
+      </a:fillStyleLst>
+      <a:lnStyleLst>
+        <a:ln w="6350" cap="flat" cmpd="sng" algn="ctr">
+          <a:solidFill>
+            <a:schemeClr val="phClr"/>
+          </a:solidFill>
+          <a:prstDash val="solid"/>
+          <a:miter lim="800000"/>
+        </a:ln>
+        <a:ln w="12700" cap="flat" cmpd="sng" algn="ctr">
+          <a:solidFill>
+            <a:schemeClr val="phClr"/>
+          </a:solidFill>
+          <a:prstDash val="solid"/>
+          <a:miter lim="800000"/>
+        </a:ln>
+        <a:ln w="19050" cap="flat" cmpd="sng" algn="ctr">
+          <a:solidFill>
+            <a:schemeClr val="phClr"/>
+          </a:solidFill>
+          <a:prstDash val="solid"/>
+          <a:miter lim="800000"/>
+        </a:ln>
+      </a:lnStyleLst>
+      <a:effectStyleLst>
+        <a:effectStyle>
+          <a:effectLst/>
+        </a:effectStyle>
+        <a:effectStyle>
+          <a:effectLst/>
+        </a:effectStyle>
+        <a:effectStyle>
+          <a:effectLst>
+            <a:outerShdw blurRad="57150" dist="19050" dir="5400000" algn="ctr" rotWithShape="0">
+              <a:srgbClr val="000000">
+                <a:alpha val="63000"/>
+              </a:srgbClr>
+            </a:outerShdw>
+          </a:effectLst>
+        </a:effectStyle>
+      </a:effectStyleLst>
+      <a:bgFillStyleLst>
+        <a:solidFill>
+          <a:schemeClr val="phClr"/>
+        </a:solidFill>
+        <a:solidFill>
+          <a:schemeClr val="phClr">
+            <a:tint val="95000"/>
+            <a:satMod val="170000"/>
+          </a:schemeClr>
+        </a:solidFill>
+        <a:gradFill rotWithShape="1">
+          <a:gsLst>
+            <a:gs pos="0">
+              <a:schemeClr val="phClr">
+                <a:tint val="93000"/>
+                <a:satMod val="150000"/>
+                <a:shade val="98000"/>
+                <a:lumMod val="102000"/>
+              </a:schemeClr>
+            </a:gs>
+            <a:gs pos="50000">
+              <a:schemeClr val="phClr">
+                <a:tint val="98000"/>
+                <a:satMod val="130000"/>
+                <a:shade val="90000"/>
+                <a:lumMod val="103000"/>
+              </a:schemeClr>
+            </a:gs>
+            <a:gs pos="100000">
+              <a:schemeClr val="phClr">
+                <a:shade val="63000"/>
+                <a:satMod val="120000"/>
+              </a:schemeClr>
+            </a:gs>
+          </a:gsLst>
+          <a:lin ang="5400000" scaled="0"/>
+        </a:gradFill>
+      </a:bgFillStyleLst>
+    </a:fmtScheme>
+  </a:themeElements>
+  <a:objectDefaults/>
+  <a:extraClrSchemeLst/>
+  <a:extLst>
+    <a:ext uri="{05A4C25C-085E-4340-85A3-A5531E510DB2}">
+      <thm15:themeFamily xmlns:thm15="http://schemas.microsoft.com/office/thememl/2012/main" name="Office Theme" id="{62F939B6-93AF-4DB8-9C6B-D6C7DFDC589F}" vid="{4A3C46E8-61CC-4603-A589-7422A47A8E4A}"/>
+    </a:ext>
+  </a:extLst>
+</a:theme>
 </file>